--- a/포트폴리오/C#/날씨 확인 프로그램/기온별 옷차림 추천 프로그램 - 양화영.pptx
+++ b/포트폴리오/C#/날씨 확인 프로그램/기온별 옷차림 추천 프로그램 - 양화영.pptx
@@ -116,7 +116,7 @@
   </p:defaultTextStyle>
   <p:extLst>
     <p:ext uri="{EFAFB233-063F-42B5-8137-9DF3F51BA10A}">
-      <p15:sldGuideLst xmlns:p15="http://schemas.microsoft.com/office/powerpoint/2012/main">
+      <p15:sldGuideLst xmlns:p15="http://schemas.microsoft.com/office/powerpoint/2012/main" xmlns="">
         <p15:guide id="1" orient="horz" pos="2160" userDrawn="1">
           <p15:clr>
             <a:srgbClr val="A4A3A4"/>
@@ -155,7 +155,7 @@
           <p:cNvPr id="2" name="제목 1">
             <a:extLst>
               <a:ext uri="{FF2B5EF4-FFF2-40B4-BE49-F238E27FC236}">
-                <a16:creationId xmlns:a16="http://schemas.microsoft.com/office/drawing/2014/main" id="{22112318-F619-4488-8B6E-2F5F2426A69A}"/>
+                <a16:creationId xmlns:a16="http://schemas.microsoft.com/office/drawing/2014/main" xmlns="" id="{22112318-F619-4488-8B6E-2F5F2426A69A}"/>
               </a:ext>
             </a:extLst>
           </p:cNvPr>
@@ -192,7 +192,7 @@
           <p:cNvPr id="3" name="부제목 2">
             <a:extLst>
               <a:ext uri="{FF2B5EF4-FFF2-40B4-BE49-F238E27FC236}">
-                <a16:creationId xmlns:a16="http://schemas.microsoft.com/office/drawing/2014/main" id="{E8BEE6BB-9A5F-4E9F-9F1C-6D46BE01A313}"/>
+                <a16:creationId xmlns:a16="http://schemas.microsoft.com/office/drawing/2014/main" xmlns="" id="{E8BEE6BB-9A5F-4E9F-9F1C-6D46BE01A313}"/>
               </a:ext>
             </a:extLst>
           </p:cNvPr>
@@ -262,7 +262,7 @@
           <p:cNvPr id="4" name="날짜 개체 틀 3">
             <a:extLst>
               <a:ext uri="{FF2B5EF4-FFF2-40B4-BE49-F238E27FC236}">
-                <a16:creationId xmlns:a16="http://schemas.microsoft.com/office/drawing/2014/main" id="{D2D9A51D-A948-4CB8-A9EB-5A26520C8EF0}"/>
+                <a16:creationId xmlns:a16="http://schemas.microsoft.com/office/drawing/2014/main" xmlns="" id="{D2D9A51D-A948-4CB8-A9EB-5A26520C8EF0}"/>
               </a:ext>
             </a:extLst>
           </p:cNvPr>
@@ -304,7 +304,7 @@
           <p:cNvPr id="5" name="바닥글 개체 틀 4">
             <a:extLst>
               <a:ext uri="{FF2B5EF4-FFF2-40B4-BE49-F238E27FC236}">
-                <a16:creationId xmlns:a16="http://schemas.microsoft.com/office/drawing/2014/main" id="{84374BBD-0B82-4658-B13D-088F0E4D078E}"/>
+                <a16:creationId xmlns:a16="http://schemas.microsoft.com/office/drawing/2014/main" xmlns="" id="{84374BBD-0B82-4658-B13D-088F0E4D078E}"/>
               </a:ext>
             </a:extLst>
           </p:cNvPr>
@@ -335,7 +335,7 @@
           <p:cNvPr id="6" name="슬라이드 번호 개체 틀 5">
             <a:extLst>
               <a:ext uri="{FF2B5EF4-FFF2-40B4-BE49-F238E27FC236}">
-                <a16:creationId xmlns:a16="http://schemas.microsoft.com/office/drawing/2014/main" id="{AB1AAA67-696A-4836-A10B-FF164C3AF889}"/>
+                <a16:creationId xmlns:a16="http://schemas.microsoft.com/office/drawing/2014/main" xmlns="" id="{AB1AAA67-696A-4836-A10B-FF164C3AF889}"/>
               </a:ext>
             </a:extLst>
           </p:cNvPr>
@@ -407,7 +407,7 @@
           <p:cNvPr id="2" name="제목 1">
             <a:extLst>
               <a:ext uri="{FF2B5EF4-FFF2-40B4-BE49-F238E27FC236}">
-                <a16:creationId xmlns:a16="http://schemas.microsoft.com/office/drawing/2014/main" id="{3C43AEE1-28CA-46D2-81F5-CD34E4F9E583}"/>
+                <a16:creationId xmlns:a16="http://schemas.microsoft.com/office/drawing/2014/main" xmlns="" id="{3C43AEE1-28CA-46D2-81F5-CD34E4F9E583}"/>
               </a:ext>
             </a:extLst>
           </p:cNvPr>
@@ -435,7 +435,7 @@
           <p:cNvPr id="3" name="세로 텍스트 개체 틀 2">
             <a:extLst>
               <a:ext uri="{FF2B5EF4-FFF2-40B4-BE49-F238E27FC236}">
-                <a16:creationId xmlns:a16="http://schemas.microsoft.com/office/drawing/2014/main" id="{C738FEC2-4BF0-4A45-9297-EE9B2E45E5CC}"/>
+                <a16:creationId xmlns:a16="http://schemas.microsoft.com/office/drawing/2014/main" xmlns="" id="{C738FEC2-4BF0-4A45-9297-EE9B2E45E5CC}"/>
               </a:ext>
             </a:extLst>
           </p:cNvPr>
@@ -492,7 +492,7 @@
           <p:cNvPr id="4" name="날짜 개체 틀 3">
             <a:extLst>
               <a:ext uri="{FF2B5EF4-FFF2-40B4-BE49-F238E27FC236}">
-                <a16:creationId xmlns:a16="http://schemas.microsoft.com/office/drawing/2014/main" id="{2BEDBAD0-D342-4544-94B8-122B3BDBF705}"/>
+                <a16:creationId xmlns:a16="http://schemas.microsoft.com/office/drawing/2014/main" xmlns="" id="{2BEDBAD0-D342-4544-94B8-122B3BDBF705}"/>
               </a:ext>
             </a:extLst>
           </p:cNvPr>
@@ -534,7 +534,7 @@
           <p:cNvPr id="5" name="바닥글 개체 틀 4">
             <a:extLst>
               <a:ext uri="{FF2B5EF4-FFF2-40B4-BE49-F238E27FC236}">
-                <a16:creationId xmlns:a16="http://schemas.microsoft.com/office/drawing/2014/main" id="{1D70FE0D-ACBA-4806-9F35-4EB786E865FE}"/>
+                <a16:creationId xmlns:a16="http://schemas.microsoft.com/office/drawing/2014/main" xmlns="" id="{1D70FE0D-ACBA-4806-9F35-4EB786E865FE}"/>
               </a:ext>
             </a:extLst>
           </p:cNvPr>
@@ -565,7 +565,7 @@
           <p:cNvPr id="6" name="슬라이드 번호 개체 틀 5">
             <a:extLst>
               <a:ext uri="{FF2B5EF4-FFF2-40B4-BE49-F238E27FC236}">
-                <a16:creationId xmlns:a16="http://schemas.microsoft.com/office/drawing/2014/main" id="{A7F3119A-4AE1-408F-B8AD-4428B0060B24}"/>
+                <a16:creationId xmlns:a16="http://schemas.microsoft.com/office/drawing/2014/main" xmlns="" id="{A7F3119A-4AE1-408F-B8AD-4428B0060B24}"/>
               </a:ext>
             </a:extLst>
           </p:cNvPr>
@@ -637,7 +637,7 @@
           <p:cNvPr id="2" name="세로 제목 1">
             <a:extLst>
               <a:ext uri="{FF2B5EF4-FFF2-40B4-BE49-F238E27FC236}">
-                <a16:creationId xmlns:a16="http://schemas.microsoft.com/office/drawing/2014/main" id="{F0B3D2AB-E650-41C2-B6FB-5398A5C19680}"/>
+                <a16:creationId xmlns:a16="http://schemas.microsoft.com/office/drawing/2014/main" xmlns="" id="{F0B3D2AB-E650-41C2-B6FB-5398A5C19680}"/>
               </a:ext>
             </a:extLst>
           </p:cNvPr>
@@ -670,7 +670,7 @@
           <p:cNvPr id="3" name="세로 텍스트 개체 틀 2">
             <a:extLst>
               <a:ext uri="{FF2B5EF4-FFF2-40B4-BE49-F238E27FC236}">
-                <a16:creationId xmlns:a16="http://schemas.microsoft.com/office/drawing/2014/main" id="{992D6516-8F93-4221-97F7-E01D89EE517D}"/>
+                <a16:creationId xmlns:a16="http://schemas.microsoft.com/office/drawing/2014/main" xmlns="" id="{992D6516-8F93-4221-97F7-E01D89EE517D}"/>
               </a:ext>
             </a:extLst>
           </p:cNvPr>
@@ -732,7 +732,7 @@
           <p:cNvPr id="4" name="날짜 개체 틀 3">
             <a:extLst>
               <a:ext uri="{FF2B5EF4-FFF2-40B4-BE49-F238E27FC236}">
-                <a16:creationId xmlns:a16="http://schemas.microsoft.com/office/drawing/2014/main" id="{8D86CB26-A349-496A-B48B-A7B891172236}"/>
+                <a16:creationId xmlns:a16="http://schemas.microsoft.com/office/drawing/2014/main" xmlns="" id="{8D86CB26-A349-496A-B48B-A7B891172236}"/>
               </a:ext>
             </a:extLst>
           </p:cNvPr>
@@ -774,7 +774,7 @@
           <p:cNvPr id="5" name="바닥글 개체 틀 4">
             <a:extLst>
               <a:ext uri="{FF2B5EF4-FFF2-40B4-BE49-F238E27FC236}">
-                <a16:creationId xmlns:a16="http://schemas.microsoft.com/office/drawing/2014/main" id="{C2E726FD-A739-41D5-96BA-4670363928CF}"/>
+                <a16:creationId xmlns:a16="http://schemas.microsoft.com/office/drawing/2014/main" xmlns="" id="{C2E726FD-A739-41D5-96BA-4670363928CF}"/>
               </a:ext>
             </a:extLst>
           </p:cNvPr>
@@ -805,7 +805,7 @@
           <p:cNvPr id="6" name="슬라이드 번호 개체 틀 5">
             <a:extLst>
               <a:ext uri="{FF2B5EF4-FFF2-40B4-BE49-F238E27FC236}">
-                <a16:creationId xmlns:a16="http://schemas.microsoft.com/office/drawing/2014/main" id="{60FAE18D-FED5-4070-8B76-811D76CCECC9}"/>
+                <a16:creationId xmlns:a16="http://schemas.microsoft.com/office/drawing/2014/main" xmlns="" id="{60FAE18D-FED5-4070-8B76-811D76CCECC9}"/>
               </a:ext>
             </a:extLst>
           </p:cNvPr>
@@ -877,7 +877,7 @@
           <p:cNvPr id="2" name="제목 1">
             <a:extLst>
               <a:ext uri="{FF2B5EF4-FFF2-40B4-BE49-F238E27FC236}">
-                <a16:creationId xmlns:a16="http://schemas.microsoft.com/office/drawing/2014/main" id="{5CC6958D-28E5-4CC8-8C48-52A02A1BC426}"/>
+                <a16:creationId xmlns:a16="http://schemas.microsoft.com/office/drawing/2014/main" xmlns="" id="{5CC6958D-28E5-4CC8-8C48-52A02A1BC426}"/>
               </a:ext>
             </a:extLst>
           </p:cNvPr>
@@ -905,7 +905,7 @@
           <p:cNvPr id="3" name="내용 개체 틀 2">
             <a:extLst>
               <a:ext uri="{FF2B5EF4-FFF2-40B4-BE49-F238E27FC236}">
-                <a16:creationId xmlns:a16="http://schemas.microsoft.com/office/drawing/2014/main" id="{E8E03031-827B-4AC7-B564-384C16177476}"/>
+                <a16:creationId xmlns:a16="http://schemas.microsoft.com/office/drawing/2014/main" xmlns="" id="{E8E03031-827B-4AC7-B564-384C16177476}"/>
               </a:ext>
             </a:extLst>
           </p:cNvPr>
@@ -962,7 +962,7 @@
           <p:cNvPr id="4" name="날짜 개체 틀 3">
             <a:extLst>
               <a:ext uri="{FF2B5EF4-FFF2-40B4-BE49-F238E27FC236}">
-                <a16:creationId xmlns:a16="http://schemas.microsoft.com/office/drawing/2014/main" id="{11C19838-69C9-49EB-9B51-549106E9B8DE}"/>
+                <a16:creationId xmlns:a16="http://schemas.microsoft.com/office/drawing/2014/main" xmlns="" id="{11C19838-69C9-49EB-9B51-549106E9B8DE}"/>
               </a:ext>
             </a:extLst>
           </p:cNvPr>
@@ -1004,7 +1004,7 @@
           <p:cNvPr id="5" name="바닥글 개체 틀 4">
             <a:extLst>
               <a:ext uri="{FF2B5EF4-FFF2-40B4-BE49-F238E27FC236}">
-                <a16:creationId xmlns:a16="http://schemas.microsoft.com/office/drawing/2014/main" id="{3C26852C-90C9-4502-A697-363CF824CFD0}"/>
+                <a16:creationId xmlns:a16="http://schemas.microsoft.com/office/drawing/2014/main" xmlns="" id="{3C26852C-90C9-4502-A697-363CF824CFD0}"/>
               </a:ext>
             </a:extLst>
           </p:cNvPr>
@@ -1035,7 +1035,7 @@
           <p:cNvPr id="6" name="슬라이드 번호 개체 틀 5">
             <a:extLst>
               <a:ext uri="{FF2B5EF4-FFF2-40B4-BE49-F238E27FC236}">
-                <a16:creationId xmlns:a16="http://schemas.microsoft.com/office/drawing/2014/main" id="{DF7509D0-CCBD-406A-9D4E-6845657BBAED}"/>
+                <a16:creationId xmlns:a16="http://schemas.microsoft.com/office/drawing/2014/main" xmlns="" id="{DF7509D0-CCBD-406A-9D4E-6845657BBAED}"/>
               </a:ext>
             </a:extLst>
           </p:cNvPr>
@@ -1107,7 +1107,7 @@
           <p:cNvPr id="2" name="제목 1">
             <a:extLst>
               <a:ext uri="{FF2B5EF4-FFF2-40B4-BE49-F238E27FC236}">
-                <a16:creationId xmlns:a16="http://schemas.microsoft.com/office/drawing/2014/main" id="{6CEF73EF-188B-4B17-B08F-D30E80C308D0}"/>
+                <a16:creationId xmlns:a16="http://schemas.microsoft.com/office/drawing/2014/main" xmlns="" id="{6CEF73EF-188B-4B17-B08F-D30E80C308D0}"/>
               </a:ext>
             </a:extLst>
           </p:cNvPr>
@@ -1144,7 +1144,7 @@
           <p:cNvPr id="3" name="텍스트 개체 틀 2">
             <a:extLst>
               <a:ext uri="{FF2B5EF4-FFF2-40B4-BE49-F238E27FC236}">
-                <a16:creationId xmlns:a16="http://schemas.microsoft.com/office/drawing/2014/main" id="{DD7DD2CA-F9BF-47A8-9D27-757556FD1CEE}"/>
+                <a16:creationId xmlns:a16="http://schemas.microsoft.com/office/drawing/2014/main" xmlns="" id="{DD7DD2CA-F9BF-47A8-9D27-757556FD1CEE}"/>
               </a:ext>
             </a:extLst>
           </p:cNvPr>
@@ -1269,7 +1269,7 @@
           <p:cNvPr id="4" name="날짜 개체 틀 3">
             <a:extLst>
               <a:ext uri="{FF2B5EF4-FFF2-40B4-BE49-F238E27FC236}">
-                <a16:creationId xmlns:a16="http://schemas.microsoft.com/office/drawing/2014/main" id="{DE78A1FB-ABBF-480D-AC6C-9BB1AEF9789B}"/>
+                <a16:creationId xmlns:a16="http://schemas.microsoft.com/office/drawing/2014/main" xmlns="" id="{DE78A1FB-ABBF-480D-AC6C-9BB1AEF9789B}"/>
               </a:ext>
             </a:extLst>
           </p:cNvPr>
@@ -1311,7 +1311,7 @@
           <p:cNvPr id="5" name="바닥글 개체 틀 4">
             <a:extLst>
               <a:ext uri="{FF2B5EF4-FFF2-40B4-BE49-F238E27FC236}">
-                <a16:creationId xmlns:a16="http://schemas.microsoft.com/office/drawing/2014/main" id="{6384247E-1D11-4A19-BDDF-E157A205B45F}"/>
+                <a16:creationId xmlns:a16="http://schemas.microsoft.com/office/drawing/2014/main" xmlns="" id="{6384247E-1D11-4A19-BDDF-E157A205B45F}"/>
               </a:ext>
             </a:extLst>
           </p:cNvPr>
@@ -1342,7 +1342,7 @@
           <p:cNvPr id="6" name="슬라이드 번호 개체 틀 5">
             <a:extLst>
               <a:ext uri="{FF2B5EF4-FFF2-40B4-BE49-F238E27FC236}">
-                <a16:creationId xmlns:a16="http://schemas.microsoft.com/office/drawing/2014/main" id="{124EC815-B6FC-4BDE-910C-F8015ED4AD75}"/>
+                <a16:creationId xmlns:a16="http://schemas.microsoft.com/office/drawing/2014/main" xmlns="" id="{124EC815-B6FC-4BDE-910C-F8015ED4AD75}"/>
               </a:ext>
             </a:extLst>
           </p:cNvPr>
@@ -1414,7 +1414,7 @@
           <p:cNvPr id="2" name="제목 1">
             <a:extLst>
               <a:ext uri="{FF2B5EF4-FFF2-40B4-BE49-F238E27FC236}">
-                <a16:creationId xmlns:a16="http://schemas.microsoft.com/office/drawing/2014/main" id="{B4DAEB91-29AA-4ACC-BDCF-960470FCA5A1}"/>
+                <a16:creationId xmlns:a16="http://schemas.microsoft.com/office/drawing/2014/main" xmlns="" id="{B4DAEB91-29AA-4ACC-BDCF-960470FCA5A1}"/>
               </a:ext>
             </a:extLst>
           </p:cNvPr>
@@ -1442,7 +1442,7 @@
           <p:cNvPr id="3" name="내용 개체 틀 2">
             <a:extLst>
               <a:ext uri="{FF2B5EF4-FFF2-40B4-BE49-F238E27FC236}">
-                <a16:creationId xmlns:a16="http://schemas.microsoft.com/office/drawing/2014/main" id="{256B0E51-7DC0-45B6-8306-D8167F5CB7C8}"/>
+                <a16:creationId xmlns:a16="http://schemas.microsoft.com/office/drawing/2014/main" xmlns="" id="{256B0E51-7DC0-45B6-8306-D8167F5CB7C8}"/>
               </a:ext>
             </a:extLst>
           </p:cNvPr>
@@ -1504,7 +1504,7 @@
           <p:cNvPr id="4" name="내용 개체 틀 3">
             <a:extLst>
               <a:ext uri="{FF2B5EF4-FFF2-40B4-BE49-F238E27FC236}">
-                <a16:creationId xmlns:a16="http://schemas.microsoft.com/office/drawing/2014/main" id="{F7CB78CC-8798-4261-B4B1-60B4C54377A7}"/>
+                <a16:creationId xmlns:a16="http://schemas.microsoft.com/office/drawing/2014/main" xmlns="" id="{F7CB78CC-8798-4261-B4B1-60B4C54377A7}"/>
               </a:ext>
             </a:extLst>
           </p:cNvPr>
@@ -1566,7 +1566,7 @@
           <p:cNvPr id="5" name="날짜 개체 틀 4">
             <a:extLst>
               <a:ext uri="{FF2B5EF4-FFF2-40B4-BE49-F238E27FC236}">
-                <a16:creationId xmlns:a16="http://schemas.microsoft.com/office/drawing/2014/main" id="{79594384-5734-4FC8-928A-E1641354A126}"/>
+                <a16:creationId xmlns:a16="http://schemas.microsoft.com/office/drawing/2014/main" xmlns="" id="{79594384-5734-4FC8-928A-E1641354A126}"/>
               </a:ext>
             </a:extLst>
           </p:cNvPr>
@@ -1608,7 +1608,7 @@
           <p:cNvPr id="6" name="바닥글 개체 틀 5">
             <a:extLst>
               <a:ext uri="{FF2B5EF4-FFF2-40B4-BE49-F238E27FC236}">
-                <a16:creationId xmlns:a16="http://schemas.microsoft.com/office/drawing/2014/main" id="{282301C0-6908-48C0-8957-C8B3F4594C5A}"/>
+                <a16:creationId xmlns:a16="http://schemas.microsoft.com/office/drawing/2014/main" xmlns="" id="{282301C0-6908-48C0-8957-C8B3F4594C5A}"/>
               </a:ext>
             </a:extLst>
           </p:cNvPr>
@@ -1639,7 +1639,7 @@
           <p:cNvPr id="7" name="슬라이드 번호 개체 틀 6">
             <a:extLst>
               <a:ext uri="{FF2B5EF4-FFF2-40B4-BE49-F238E27FC236}">
-                <a16:creationId xmlns:a16="http://schemas.microsoft.com/office/drawing/2014/main" id="{507DD8FE-7741-412F-947D-7A7079F48607}"/>
+                <a16:creationId xmlns:a16="http://schemas.microsoft.com/office/drawing/2014/main" xmlns="" id="{507DD8FE-7741-412F-947D-7A7079F48607}"/>
               </a:ext>
             </a:extLst>
           </p:cNvPr>
@@ -1711,7 +1711,7 @@
           <p:cNvPr id="2" name="제목 1">
             <a:extLst>
               <a:ext uri="{FF2B5EF4-FFF2-40B4-BE49-F238E27FC236}">
-                <a16:creationId xmlns:a16="http://schemas.microsoft.com/office/drawing/2014/main" id="{BBD6DFD1-B640-4CC6-A759-6C7981C5CD61}"/>
+                <a16:creationId xmlns:a16="http://schemas.microsoft.com/office/drawing/2014/main" xmlns="" id="{BBD6DFD1-B640-4CC6-A759-6C7981C5CD61}"/>
               </a:ext>
             </a:extLst>
           </p:cNvPr>
@@ -1744,7 +1744,7 @@
           <p:cNvPr id="3" name="텍스트 개체 틀 2">
             <a:extLst>
               <a:ext uri="{FF2B5EF4-FFF2-40B4-BE49-F238E27FC236}">
-                <a16:creationId xmlns:a16="http://schemas.microsoft.com/office/drawing/2014/main" id="{25B2A237-7572-46BD-9502-829F6C0AD4F8}"/>
+                <a16:creationId xmlns:a16="http://schemas.microsoft.com/office/drawing/2014/main" xmlns="" id="{25B2A237-7572-46BD-9502-829F6C0AD4F8}"/>
               </a:ext>
             </a:extLst>
           </p:cNvPr>
@@ -1815,7 +1815,7 @@
           <p:cNvPr id="4" name="내용 개체 틀 3">
             <a:extLst>
               <a:ext uri="{FF2B5EF4-FFF2-40B4-BE49-F238E27FC236}">
-                <a16:creationId xmlns:a16="http://schemas.microsoft.com/office/drawing/2014/main" id="{81AE9732-B570-4506-BDA6-0AB39D453684}"/>
+                <a16:creationId xmlns:a16="http://schemas.microsoft.com/office/drawing/2014/main" xmlns="" id="{81AE9732-B570-4506-BDA6-0AB39D453684}"/>
               </a:ext>
             </a:extLst>
           </p:cNvPr>
@@ -1877,7 +1877,7 @@
           <p:cNvPr id="5" name="텍스트 개체 틀 4">
             <a:extLst>
               <a:ext uri="{FF2B5EF4-FFF2-40B4-BE49-F238E27FC236}">
-                <a16:creationId xmlns:a16="http://schemas.microsoft.com/office/drawing/2014/main" id="{A289407D-7DA6-4293-A426-38DF9B21160E}"/>
+                <a16:creationId xmlns:a16="http://schemas.microsoft.com/office/drawing/2014/main" xmlns="" id="{A289407D-7DA6-4293-A426-38DF9B21160E}"/>
               </a:ext>
             </a:extLst>
           </p:cNvPr>
@@ -1948,7 +1948,7 @@
           <p:cNvPr id="6" name="내용 개체 틀 5">
             <a:extLst>
               <a:ext uri="{FF2B5EF4-FFF2-40B4-BE49-F238E27FC236}">
-                <a16:creationId xmlns:a16="http://schemas.microsoft.com/office/drawing/2014/main" id="{F239549F-370A-4671-B1BB-79655CC6CB8C}"/>
+                <a16:creationId xmlns:a16="http://schemas.microsoft.com/office/drawing/2014/main" xmlns="" id="{F239549F-370A-4671-B1BB-79655CC6CB8C}"/>
               </a:ext>
             </a:extLst>
           </p:cNvPr>
@@ -2010,7 +2010,7 @@
           <p:cNvPr id="7" name="날짜 개체 틀 6">
             <a:extLst>
               <a:ext uri="{FF2B5EF4-FFF2-40B4-BE49-F238E27FC236}">
-                <a16:creationId xmlns:a16="http://schemas.microsoft.com/office/drawing/2014/main" id="{A86D9E62-97AA-41F8-B69B-6CD691CF0E2A}"/>
+                <a16:creationId xmlns:a16="http://schemas.microsoft.com/office/drawing/2014/main" xmlns="" id="{A86D9E62-97AA-41F8-B69B-6CD691CF0E2A}"/>
               </a:ext>
             </a:extLst>
           </p:cNvPr>
@@ -2052,7 +2052,7 @@
           <p:cNvPr id="8" name="바닥글 개체 틀 7">
             <a:extLst>
               <a:ext uri="{FF2B5EF4-FFF2-40B4-BE49-F238E27FC236}">
-                <a16:creationId xmlns:a16="http://schemas.microsoft.com/office/drawing/2014/main" id="{F41D3FC0-561B-4DE4-AA99-9DB56EC6B344}"/>
+                <a16:creationId xmlns:a16="http://schemas.microsoft.com/office/drawing/2014/main" xmlns="" id="{F41D3FC0-561B-4DE4-AA99-9DB56EC6B344}"/>
               </a:ext>
             </a:extLst>
           </p:cNvPr>
@@ -2083,7 +2083,7 @@
           <p:cNvPr id="9" name="슬라이드 번호 개체 틀 8">
             <a:extLst>
               <a:ext uri="{FF2B5EF4-FFF2-40B4-BE49-F238E27FC236}">
-                <a16:creationId xmlns:a16="http://schemas.microsoft.com/office/drawing/2014/main" id="{AD0040F2-99C5-450C-9966-5D00290EBF69}"/>
+                <a16:creationId xmlns:a16="http://schemas.microsoft.com/office/drawing/2014/main" xmlns="" id="{AD0040F2-99C5-450C-9966-5D00290EBF69}"/>
               </a:ext>
             </a:extLst>
           </p:cNvPr>
@@ -2155,7 +2155,7 @@
           <p:cNvPr id="2" name="제목 1">
             <a:extLst>
               <a:ext uri="{FF2B5EF4-FFF2-40B4-BE49-F238E27FC236}">
-                <a16:creationId xmlns:a16="http://schemas.microsoft.com/office/drawing/2014/main" id="{C6E337C1-8281-4F6E-9A31-EBE388C3C82F}"/>
+                <a16:creationId xmlns:a16="http://schemas.microsoft.com/office/drawing/2014/main" xmlns="" id="{C6E337C1-8281-4F6E-9A31-EBE388C3C82F}"/>
               </a:ext>
             </a:extLst>
           </p:cNvPr>
@@ -2183,7 +2183,7 @@
           <p:cNvPr id="3" name="날짜 개체 틀 2">
             <a:extLst>
               <a:ext uri="{FF2B5EF4-FFF2-40B4-BE49-F238E27FC236}">
-                <a16:creationId xmlns:a16="http://schemas.microsoft.com/office/drawing/2014/main" id="{00EA4B32-9135-4223-8DE6-887D2743405B}"/>
+                <a16:creationId xmlns:a16="http://schemas.microsoft.com/office/drawing/2014/main" xmlns="" id="{00EA4B32-9135-4223-8DE6-887D2743405B}"/>
               </a:ext>
             </a:extLst>
           </p:cNvPr>
@@ -2225,7 +2225,7 @@
           <p:cNvPr id="4" name="바닥글 개체 틀 3">
             <a:extLst>
               <a:ext uri="{FF2B5EF4-FFF2-40B4-BE49-F238E27FC236}">
-                <a16:creationId xmlns:a16="http://schemas.microsoft.com/office/drawing/2014/main" id="{9407FC83-8D70-48DB-8681-08CFD9C0DA58}"/>
+                <a16:creationId xmlns:a16="http://schemas.microsoft.com/office/drawing/2014/main" xmlns="" id="{9407FC83-8D70-48DB-8681-08CFD9C0DA58}"/>
               </a:ext>
             </a:extLst>
           </p:cNvPr>
@@ -2256,7 +2256,7 @@
           <p:cNvPr id="5" name="슬라이드 번호 개체 틀 4">
             <a:extLst>
               <a:ext uri="{FF2B5EF4-FFF2-40B4-BE49-F238E27FC236}">
-                <a16:creationId xmlns:a16="http://schemas.microsoft.com/office/drawing/2014/main" id="{A8FC15EC-BCCB-4B82-A94C-FABC63DF674F}"/>
+                <a16:creationId xmlns:a16="http://schemas.microsoft.com/office/drawing/2014/main" xmlns="" id="{A8FC15EC-BCCB-4B82-A94C-FABC63DF674F}"/>
               </a:ext>
             </a:extLst>
           </p:cNvPr>
@@ -2328,7 +2328,7 @@
           <p:cNvPr id="2" name="날짜 개체 틀 1">
             <a:extLst>
               <a:ext uri="{FF2B5EF4-FFF2-40B4-BE49-F238E27FC236}">
-                <a16:creationId xmlns:a16="http://schemas.microsoft.com/office/drawing/2014/main" id="{2B9F9692-5462-4439-80C8-B7E337FC9AC3}"/>
+                <a16:creationId xmlns:a16="http://schemas.microsoft.com/office/drawing/2014/main" xmlns="" id="{2B9F9692-5462-4439-80C8-B7E337FC9AC3}"/>
               </a:ext>
             </a:extLst>
           </p:cNvPr>
@@ -2370,7 +2370,7 @@
           <p:cNvPr id="3" name="바닥글 개체 틀 2">
             <a:extLst>
               <a:ext uri="{FF2B5EF4-FFF2-40B4-BE49-F238E27FC236}">
-                <a16:creationId xmlns:a16="http://schemas.microsoft.com/office/drawing/2014/main" id="{94CA042D-EBC0-437C-A819-521611A545F2}"/>
+                <a16:creationId xmlns:a16="http://schemas.microsoft.com/office/drawing/2014/main" xmlns="" id="{94CA042D-EBC0-437C-A819-521611A545F2}"/>
               </a:ext>
             </a:extLst>
           </p:cNvPr>
@@ -2401,7 +2401,7 @@
           <p:cNvPr id="4" name="슬라이드 번호 개체 틀 3">
             <a:extLst>
               <a:ext uri="{FF2B5EF4-FFF2-40B4-BE49-F238E27FC236}">
-                <a16:creationId xmlns:a16="http://schemas.microsoft.com/office/drawing/2014/main" id="{A2415CDA-0D1F-49BD-8381-21C3BEFD5A98}"/>
+                <a16:creationId xmlns:a16="http://schemas.microsoft.com/office/drawing/2014/main" xmlns="" id="{A2415CDA-0D1F-49BD-8381-21C3BEFD5A98}"/>
               </a:ext>
             </a:extLst>
           </p:cNvPr>
@@ -2473,7 +2473,7 @@
           <p:cNvPr id="2" name="제목 1">
             <a:extLst>
               <a:ext uri="{FF2B5EF4-FFF2-40B4-BE49-F238E27FC236}">
-                <a16:creationId xmlns:a16="http://schemas.microsoft.com/office/drawing/2014/main" id="{2A6F10D4-8D29-48C2-ADF0-92316E2C8E4E}"/>
+                <a16:creationId xmlns:a16="http://schemas.microsoft.com/office/drawing/2014/main" xmlns="" id="{2A6F10D4-8D29-48C2-ADF0-92316E2C8E4E}"/>
               </a:ext>
             </a:extLst>
           </p:cNvPr>
@@ -2510,7 +2510,7 @@
           <p:cNvPr id="3" name="내용 개체 틀 2">
             <a:extLst>
               <a:ext uri="{FF2B5EF4-FFF2-40B4-BE49-F238E27FC236}">
-                <a16:creationId xmlns:a16="http://schemas.microsoft.com/office/drawing/2014/main" id="{BBBA3CD3-DE79-4260-873A-FEDE5C678F80}"/>
+                <a16:creationId xmlns:a16="http://schemas.microsoft.com/office/drawing/2014/main" xmlns="" id="{BBBA3CD3-DE79-4260-873A-FEDE5C678F80}"/>
               </a:ext>
             </a:extLst>
           </p:cNvPr>
@@ -2600,7 +2600,7 @@
           <p:cNvPr id="4" name="텍스트 개체 틀 3">
             <a:extLst>
               <a:ext uri="{FF2B5EF4-FFF2-40B4-BE49-F238E27FC236}">
-                <a16:creationId xmlns:a16="http://schemas.microsoft.com/office/drawing/2014/main" id="{319C6BD2-52A1-4155-9D55-1D847772EA8C}"/>
+                <a16:creationId xmlns:a16="http://schemas.microsoft.com/office/drawing/2014/main" xmlns="" id="{319C6BD2-52A1-4155-9D55-1D847772EA8C}"/>
               </a:ext>
             </a:extLst>
           </p:cNvPr>
@@ -2671,7 +2671,7 @@
           <p:cNvPr id="5" name="날짜 개체 틀 4">
             <a:extLst>
               <a:ext uri="{FF2B5EF4-FFF2-40B4-BE49-F238E27FC236}">
-                <a16:creationId xmlns:a16="http://schemas.microsoft.com/office/drawing/2014/main" id="{982A3511-0B13-4D97-937C-07365FBADAEA}"/>
+                <a16:creationId xmlns:a16="http://schemas.microsoft.com/office/drawing/2014/main" xmlns="" id="{982A3511-0B13-4D97-937C-07365FBADAEA}"/>
               </a:ext>
             </a:extLst>
           </p:cNvPr>
@@ -2713,7 +2713,7 @@
           <p:cNvPr id="6" name="바닥글 개체 틀 5">
             <a:extLst>
               <a:ext uri="{FF2B5EF4-FFF2-40B4-BE49-F238E27FC236}">
-                <a16:creationId xmlns:a16="http://schemas.microsoft.com/office/drawing/2014/main" id="{54C805B4-20AF-4A3C-B131-E1D9FFBB024D}"/>
+                <a16:creationId xmlns:a16="http://schemas.microsoft.com/office/drawing/2014/main" xmlns="" id="{54C805B4-20AF-4A3C-B131-E1D9FFBB024D}"/>
               </a:ext>
             </a:extLst>
           </p:cNvPr>
@@ -2744,7 +2744,7 @@
           <p:cNvPr id="7" name="슬라이드 번호 개체 틀 6">
             <a:extLst>
               <a:ext uri="{FF2B5EF4-FFF2-40B4-BE49-F238E27FC236}">
-                <a16:creationId xmlns:a16="http://schemas.microsoft.com/office/drawing/2014/main" id="{89C705FC-2895-472A-B6FD-C2434624BB3B}"/>
+                <a16:creationId xmlns:a16="http://schemas.microsoft.com/office/drawing/2014/main" xmlns="" id="{89C705FC-2895-472A-B6FD-C2434624BB3B}"/>
               </a:ext>
             </a:extLst>
           </p:cNvPr>
@@ -2816,7 +2816,7 @@
           <p:cNvPr id="2" name="제목 1">
             <a:extLst>
               <a:ext uri="{FF2B5EF4-FFF2-40B4-BE49-F238E27FC236}">
-                <a16:creationId xmlns:a16="http://schemas.microsoft.com/office/drawing/2014/main" id="{4C00D820-915B-4802-8C2E-FF7CA967E012}"/>
+                <a16:creationId xmlns:a16="http://schemas.microsoft.com/office/drawing/2014/main" xmlns="" id="{4C00D820-915B-4802-8C2E-FF7CA967E012}"/>
               </a:ext>
             </a:extLst>
           </p:cNvPr>
@@ -2853,7 +2853,7 @@
           <p:cNvPr id="3" name="그림 개체 틀 2">
             <a:extLst>
               <a:ext uri="{FF2B5EF4-FFF2-40B4-BE49-F238E27FC236}">
-                <a16:creationId xmlns:a16="http://schemas.microsoft.com/office/drawing/2014/main" id="{10CF9849-20D0-417A-99C8-099DF39939AC}"/>
+                <a16:creationId xmlns:a16="http://schemas.microsoft.com/office/drawing/2014/main" xmlns="" id="{10CF9849-20D0-417A-99C8-099DF39939AC}"/>
               </a:ext>
             </a:extLst>
           </p:cNvPr>
@@ -2920,7 +2920,7 @@
           <p:cNvPr id="4" name="텍스트 개체 틀 3">
             <a:extLst>
               <a:ext uri="{FF2B5EF4-FFF2-40B4-BE49-F238E27FC236}">
-                <a16:creationId xmlns:a16="http://schemas.microsoft.com/office/drawing/2014/main" id="{144A7754-54E7-4123-8C5E-1B05B517B5D4}"/>
+                <a16:creationId xmlns:a16="http://schemas.microsoft.com/office/drawing/2014/main" xmlns="" id="{144A7754-54E7-4123-8C5E-1B05B517B5D4}"/>
               </a:ext>
             </a:extLst>
           </p:cNvPr>
@@ -2991,7 +2991,7 @@
           <p:cNvPr id="5" name="날짜 개체 틀 4">
             <a:extLst>
               <a:ext uri="{FF2B5EF4-FFF2-40B4-BE49-F238E27FC236}">
-                <a16:creationId xmlns:a16="http://schemas.microsoft.com/office/drawing/2014/main" id="{3AFFF3F1-9632-4E06-BAB7-312343416AE9}"/>
+                <a16:creationId xmlns:a16="http://schemas.microsoft.com/office/drawing/2014/main" xmlns="" id="{3AFFF3F1-9632-4E06-BAB7-312343416AE9}"/>
               </a:ext>
             </a:extLst>
           </p:cNvPr>
@@ -3033,7 +3033,7 @@
           <p:cNvPr id="6" name="바닥글 개체 틀 5">
             <a:extLst>
               <a:ext uri="{FF2B5EF4-FFF2-40B4-BE49-F238E27FC236}">
-                <a16:creationId xmlns:a16="http://schemas.microsoft.com/office/drawing/2014/main" id="{5F23D6B1-934F-4B4D-9E4F-5AE9E873CB6E}"/>
+                <a16:creationId xmlns:a16="http://schemas.microsoft.com/office/drawing/2014/main" xmlns="" id="{5F23D6B1-934F-4B4D-9E4F-5AE9E873CB6E}"/>
               </a:ext>
             </a:extLst>
           </p:cNvPr>
@@ -3064,7 +3064,7 @@
           <p:cNvPr id="7" name="슬라이드 번호 개체 틀 6">
             <a:extLst>
               <a:ext uri="{FF2B5EF4-FFF2-40B4-BE49-F238E27FC236}">
-                <a16:creationId xmlns:a16="http://schemas.microsoft.com/office/drawing/2014/main" id="{B157FDD5-2092-4E16-8E7C-1CCA4719CF8A}"/>
+                <a16:creationId xmlns:a16="http://schemas.microsoft.com/office/drawing/2014/main" xmlns="" id="{B157FDD5-2092-4E16-8E7C-1CCA4719CF8A}"/>
               </a:ext>
             </a:extLst>
           </p:cNvPr>
@@ -3141,7 +3141,7 @@
           <p:cNvPr id="2" name="제목 개체 틀 1">
             <a:extLst>
               <a:ext uri="{FF2B5EF4-FFF2-40B4-BE49-F238E27FC236}">
-                <a16:creationId xmlns:a16="http://schemas.microsoft.com/office/drawing/2014/main" id="{84C8B562-0886-4274-876D-59EFAAAE2F3B}"/>
+                <a16:creationId xmlns:a16="http://schemas.microsoft.com/office/drawing/2014/main" xmlns="" id="{84C8B562-0886-4274-876D-59EFAAAE2F3B}"/>
               </a:ext>
             </a:extLst>
           </p:cNvPr>
@@ -3179,7 +3179,7 @@
           <p:cNvPr id="3" name="텍스트 개체 틀 2">
             <a:extLst>
               <a:ext uri="{FF2B5EF4-FFF2-40B4-BE49-F238E27FC236}">
-                <a16:creationId xmlns:a16="http://schemas.microsoft.com/office/drawing/2014/main" id="{61799B9E-1CD2-4A09-9ACC-2FA1C62D7AF6}"/>
+                <a16:creationId xmlns:a16="http://schemas.microsoft.com/office/drawing/2014/main" xmlns="" id="{61799B9E-1CD2-4A09-9ACC-2FA1C62D7AF6}"/>
               </a:ext>
             </a:extLst>
           </p:cNvPr>
@@ -3246,7 +3246,7 @@
           <p:cNvPr id="4" name="날짜 개체 틀 3">
             <a:extLst>
               <a:ext uri="{FF2B5EF4-FFF2-40B4-BE49-F238E27FC236}">
-                <a16:creationId xmlns:a16="http://schemas.microsoft.com/office/drawing/2014/main" id="{42A0C5B4-9399-4A5E-8DEE-54436B1EC85C}"/>
+                <a16:creationId xmlns:a16="http://schemas.microsoft.com/office/drawing/2014/main" xmlns="" id="{42A0C5B4-9399-4A5E-8DEE-54436B1EC85C}"/>
               </a:ext>
             </a:extLst>
           </p:cNvPr>
@@ -3306,7 +3306,7 @@
           <p:cNvPr id="5" name="바닥글 개체 틀 4">
             <a:extLst>
               <a:ext uri="{FF2B5EF4-FFF2-40B4-BE49-F238E27FC236}">
-                <a16:creationId xmlns:a16="http://schemas.microsoft.com/office/drawing/2014/main" id="{F5B2B9FF-C0C5-4E9E-A76A-AF0745E2D88E}"/>
+                <a16:creationId xmlns:a16="http://schemas.microsoft.com/office/drawing/2014/main" xmlns="" id="{F5B2B9FF-C0C5-4E9E-A76A-AF0745E2D88E}"/>
               </a:ext>
             </a:extLst>
           </p:cNvPr>
@@ -3355,7 +3355,7 @@
           <p:cNvPr id="6" name="슬라이드 번호 개체 틀 5">
             <a:extLst>
               <a:ext uri="{FF2B5EF4-FFF2-40B4-BE49-F238E27FC236}">
-                <a16:creationId xmlns:a16="http://schemas.microsoft.com/office/drawing/2014/main" id="{E8992FE0-2D01-4365-9F95-1FF838BCEF3A}"/>
+                <a16:creationId xmlns:a16="http://schemas.microsoft.com/office/drawing/2014/main" xmlns="" id="{E8992FE0-2D01-4365-9F95-1FF838BCEF3A}"/>
               </a:ext>
             </a:extLst>
           </p:cNvPr>
@@ -3931,18 +3931,7 @@
                   </a:prstClr>
                 </a:solidFill>
               </a:rPr>
-              <a:t> </a:t>
-            </a:r>
-            <a:r>
-              <a:rPr lang="ko-KR" altLang="en-US" sz="1400" kern="0" dirty="0" smtClean="0">
-                <a:solidFill>
-                  <a:prstClr val="black">
-                    <a:lumMod val="50000"/>
-                    <a:lumOff val="50000"/>
-                  </a:prstClr>
-                </a:solidFill>
-              </a:rPr>
-              <a:t>나가세요</a:t>
+              <a:t> 나가세요</a:t>
             </a:r>
             <a:r>
               <a:rPr lang="en-US" altLang="ko-KR" sz="1400" kern="0" dirty="0" smtClean="0">
@@ -4040,7 +4029,7 @@
           <p:cNvPr id="41" name="사각형: 둥근 모서리 31">
             <a:extLst>
               <a:ext uri="{FF2B5EF4-FFF2-40B4-BE49-F238E27FC236}">
-                <a16:creationId xmlns:a16="http://schemas.microsoft.com/office/drawing/2014/main" id="{87F96730-FCA5-44A8-810E-07DACBEC9D5E}"/>
+                <a16:creationId xmlns:a16="http://schemas.microsoft.com/office/drawing/2014/main" xmlns="" id="{87F96730-FCA5-44A8-810E-07DACBEC9D5E}"/>
               </a:ext>
             </a:extLst>
           </p:cNvPr>
@@ -4227,18 +4216,7 @@
                   </a:prstClr>
                 </a:solidFill>
               </a:rPr>
-              <a:t>프로그램 </a:t>
-            </a:r>
-            <a:r>
-              <a:rPr lang="ko-KR" altLang="en-US" b="1" i="1" u="sng" dirty="0" smtClean="0">
-                <a:solidFill>
-                  <a:prstClr val="black">
-                    <a:lumMod val="75000"/>
-                    <a:lumOff val="25000"/>
-                  </a:prstClr>
-                </a:solidFill>
-              </a:rPr>
-              <a:t>개선 및 고찰</a:t>
+              <a:t>프로그램 개선 및 고찰</a:t>
             </a:r>
             <a:endParaRPr lang="ko-KR" altLang="en-US" sz="1050" i="1" u="sng" dirty="0">
               <a:solidFill>
@@ -4302,7 +4280,7 @@
           <p:cNvPr id="58" name="직선 연결선 57">
             <a:extLst>
               <a:ext uri="{FF2B5EF4-FFF2-40B4-BE49-F238E27FC236}">
-                <a16:creationId xmlns:a16="http://schemas.microsoft.com/office/drawing/2014/main" id="{D8171E6A-87D6-4359-92E8-4FEC9B54AF48}"/>
+                <a16:creationId xmlns:a16="http://schemas.microsoft.com/office/drawing/2014/main" xmlns="" id="{D8171E6A-87D6-4359-92E8-4FEC9B54AF48}"/>
               </a:ext>
             </a:extLst>
           </p:cNvPr>
@@ -4395,7 +4373,7 @@
           <p:cNvPr id="60" name="직선 연결선 59">
             <a:extLst>
               <a:ext uri="{FF2B5EF4-FFF2-40B4-BE49-F238E27FC236}">
-                <a16:creationId xmlns:a16="http://schemas.microsoft.com/office/drawing/2014/main" id="{D8171E6A-87D6-4359-92E8-4FEC9B54AF48}"/>
+                <a16:creationId xmlns:a16="http://schemas.microsoft.com/office/drawing/2014/main" xmlns="" id="{D8171E6A-87D6-4359-92E8-4FEC9B54AF48}"/>
               </a:ext>
             </a:extLst>
           </p:cNvPr>
@@ -4466,7 +4444,7 @@
           <p:cNvPr id="61" name="사각형: 둥근 모서리 31">
             <a:extLst>
               <a:ext uri="{FF2B5EF4-FFF2-40B4-BE49-F238E27FC236}">
-                <a16:creationId xmlns:a16="http://schemas.microsoft.com/office/drawing/2014/main" id="{87F96730-FCA5-44A8-810E-07DACBEC9D5E}"/>
+                <a16:creationId xmlns:a16="http://schemas.microsoft.com/office/drawing/2014/main" xmlns="" id="{87F96730-FCA5-44A8-810E-07DACBEC9D5E}"/>
               </a:ext>
             </a:extLst>
           </p:cNvPr>
@@ -4747,15 +4725,7 @@
                   <a:prstClr val="white"/>
                 </a:solidFill>
               </a:rPr>
-              <a:t> </a:t>
-            </a:r>
-            <a:r>
-              <a:rPr lang="ko-KR" altLang="en-US" sz="2400" b="1" i="1" kern="0" dirty="0" smtClean="0">
-                <a:solidFill>
-                  <a:prstClr val="white"/>
-                </a:solidFill>
-              </a:rPr>
-              <a:t>옷차림 추천 프로그램</a:t>
+              <a:t> 옷차림 추천 프로그램</a:t>
             </a:r>
             <a:endParaRPr lang="en-US" altLang="ko-KR" sz="1000" b="1" i="1" kern="0" dirty="0">
               <a:solidFill>
@@ -4898,7 +4868,7 @@
           <p:cNvPr id="19" name="직사각형 18">
             <a:extLst>
               <a:ext uri="{FF2B5EF4-FFF2-40B4-BE49-F238E27FC236}">
-                <a16:creationId xmlns:a16="http://schemas.microsoft.com/office/drawing/2014/main" id="{3FA00699-5178-465A-9F3F-130CF1431F70}"/>
+                <a16:creationId xmlns:a16="http://schemas.microsoft.com/office/drawing/2014/main" xmlns="" id="{3FA00699-5178-465A-9F3F-130CF1431F70}"/>
               </a:ext>
             </a:extLst>
           </p:cNvPr>
@@ -5061,15 +5031,7 @@
                   <a:prstClr val="white"/>
                 </a:solidFill>
               </a:rPr>
-              <a:t> </a:t>
-            </a:r>
-            <a:r>
-              <a:rPr lang="ko-KR" altLang="en-US" sz="2400" b="1" i="1" kern="0" dirty="0" smtClean="0">
-                <a:solidFill>
-                  <a:prstClr val="white"/>
-                </a:solidFill>
-              </a:rPr>
-              <a:t>옷차림 추천 프로그램</a:t>
+              <a:t> 옷차림 추천 프로그램</a:t>
             </a:r>
             <a:endParaRPr lang="en-US" altLang="ko-KR" sz="1000" b="1" i="1" kern="0" dirty="0">
               <a:solidFill>
@@ -5310,15 +5272,7 @@
                   <a:prstClr val="white"/>
                 </a:solidFill>
               </a:rPr>
-              <a:t> </a:t>
-            </a:r>
-            <a:r>
-              <a:rPr lang="ko-KR" altLang="en-US" sz="2400" b="1" i="1" kern="0" dirty="0" smtClean="0">
-                <a:solidFill>
-                  <a:prstClr val="white"/>
-                </a:solidFill>
-              </a:rPr>
-              <a:t>옷차림 추천 프로그램</a:t>
+              <a:t> 옷차림 추천 프로그램</a:t>
             </a:r>
             <a:endParaRPr lang="en-US" altLang="ko-KR" sz="1000" b="1" i="1" kern="0" dirty="0">
               <a:solidFill>
@@ -13548,15 +13502,7 @@
                   <a:prstClr val="white"/>
                 </a:solidFill>
               </a:rPr>
-              <a:t> </a:t>
-            </a:r>
-            <a:r>
-              <a:rPr lang="ko-KR" altLang="en-US" sz="2400" b="1" i="1" kern="0" dirty="0" smtClean="0">
-                <a:solidFill>
-                  <a:prstClr val="white"/>
-                </a:solidFill>
-              </a:rPr>
-              <a:t>옷차림 추천 프로그램</a:t>
+              <a:t> 옷차림 추천 프로그램</a:t>
             </a:r>
             <a:endParaRPr lang="en-US" altLang="ko-KR" sz="1000" b="1" i="1" kern="0" dirty="0">
               <a:solidFill>
@@ -13729,18 +13675,7 @@
                   </a:prstClr>
                 </a:solidFill>
               </a:rPr>
-              <a:t>프로그램 개발 </a:t>
-            </a:r>
-            <a:r>
-              <a:rPr lang="ko-KR" altLang="en-US" b="1" i="1" u="sng" dirty="0" smtClean="0">
-                <a:solidFill>
-                  <a:prstClr val="black">
-                    <a:lumMod val="75000"/>
-                    <a:lumOff val="25000"/>
-                  </a:prstClr>
-                </a:solidFill>
-              </a:rPr>
-              <a:t>개요</a:t>
+              <a:t>프로그램 개발 개요</a:t>
             </a:r>
             <a:endParaRPr lang="ko-KR" altLang="en-US" sz="1050" i="1" u="sng" dirty="0">
               <a:solidFill>
@@ -13758,7 +13693,7 @@
           <p:cNvPr id="57" name="타원 56">
             <a:extLst>
               <a:ext uri="{FF2B5EF4-FFF2-40B4-BE49-F238E27FC236}">
-                <a16:creationId xmlns:a16="http://schemas.microsoft.com/office/drawing/2014/main" id="{BE566710-BCCE-457B-91C3-2FE86DC76547}"/>
+                <a16:creationId xmlns:a16="http://schemas.microsoft.com/office/drawing/2014/main" xmlns="" id="{BE566710-BCCE-457B-91C3-2FE86DC76547}"/>
               </a:ext>
             </a:extLst>
           </p:cNvPr>
@@ -13767,14 +13702,14 @@
         </p:nvSpPr>
         <p:spPr>
           <a:xfrm>
-            <a:off x="756399" y="1693544"/>
-            <a:ext cx="2434126" cy="2434126"/>
+            <a:off x="538783" y="1936264"/>
+            <a:ext cx="2441851" cy="2441851"/>
           </a:xfrm>
           <a:prstGeom prst="ellipse">
             <a:avLst/>
           </a:prstGeom>
           <a:solidFill>
-            <a:srgbClr val="82CCFD"/>
+            <a:schemeClr val="bg1"/>
           </a:solidFill>
           <a:ln w="19050">
             <a:solidFill>
@@ -13808,72 +13743,6 @@
               </a:lnSpc>
               <a:defRPr/>
             </a:pPr>
-            <a:r>
-              <a:rPr lang="en-US" altLang="ko-KR" sz="1400" b="1" dirty="0" smtClean="0">
-                <a:solidFill>
-                  <a:prstClr val="white"/>
-                </a:solidFill>
-              </a:rPr>
-              <a:t>API</a:t>
-            </a:r>
-            <a:r>
-              <a:rPr lang="ko-KR" altLang="en-US" sz="1400" b="1" dirty="0" smtClean="0">
-                <a:solidFill>
-                  <a:prstClr val="white"/>
-                </a:solidFill>
-              </a:rPr>
-              <a:t>를 활용하여</a:t>
-            </a:r>
-            <a:endParaRPr lang="en-US" altLang="ko-KR" sz="1400" b="1" dirty="0" smtClean="0">
-              <a:solidFill>
-                <a:prstClr val="white"/>
-              </a:solidFill>
-            </a:endParaRPr>
-          </a:p>
-          <a:p>
-            <a:pPr algn="ctr">
-              <a:lnSpc>
-                <a:spcPct val="150000"/>
-              </a:lnSpc>
-              <a:defRPr/>
-            </a:pPr>
-            <a:r>
-              <a:rPr lang="ko-KR" altLang="en-US" sz="1400" b="1" dirty="0" smtClean="0">
-                <a:solidFill>
-                  <a:prstClr val="white"/>
-                </a:solidFill>
-              </a:rPr>
-              <a:t>날씨를 알려주는 프로그램을</a:t>
-            </a:r>
-            <a:endParaRPr lang="en-US" altLang="ko-KR" sz="1400" b="1" dirty="0" smtClean="0">
-              <a:solidFill>
-                <a:prstClr val="white"/>
-              </a:solidFill>
-            </a:endParaRPr>
-          </a:p>
-          <a:p>
-            <a:pPr algn="ctr">
-              <a:lnSpc>
-                <a:spcPct val="150000"/>
-              </a:lnSpc>
-              <a:defRPr/>
-            </a:pPr>
-            <a:r>
-              <a:rPr lang="ko-KR" altLang="en-US" sz="1400" b="1" dirty="0" smtClean="0">
-                <a:solidFill>
-                  <a:prstClr val="white"/>
-                </a:solidFill>
-              </a:rPr>
-              <a:t>구상하였습니다</a:t>
-            </a:r>
-            <a:r>
-              <a:rPr lang="en-US" altLang="ko-KR" sz="1400" b="1" dirty="0" smtClean="0">
-                <a:solidFill>
-                  <a:prstClr val="white"/>
-                </a:solidFill>
-              </a:rPr>
-              <a:t>.</a:t>
-            </a:r>
             <a:endParaRPr lang="ko-KR" altLang="en-US" sz="900" dirty="0">
               <a:solidFill>
                 <a:prstClr val="white"/>
@@ -13887,7 +13756,7 @@
           <p:cNvPr id="58" name="타원 57">
             <a:extLst>
               <a:ext uri="{FF2B5EF4-FFF2-40B4-BE49-F238E27FC236}">
-                <a16:creationId xmlns:a16="http://schemas.microsoft.com/office/drawing/2014/main" id="{F488E0CB-A681-40C9-8A97-A8EFFA5660EB}"/>
+                <a16:creationId xmlns:a16="http://schemas.microsoft.com/office/drawing/2014/main" xmlns="" id="{F488E0CB-A681-40C9-8A97-A8EFFA5660EB}"/>
               </a:ext>
             </a:extLst>
           </p:cNvPr>
@@ -13896,14 +13765,14 @@
         </p:nvSpPr>
         <p:spPr>
           <a:xfrm>
-            <a:off x="3491131" y="1124727"/>
-            <a:ext cx="2434126" cy="2434126"/>
+            <a:off x="3376589" y="1329989"/>
+            <a:ext cx="2441851" cy="2441851"/>
           </a:xfrm>
           <a:prstGeom prst="ellipse">
             <a:avLst/>
           </a:prstGeom>
           <a:solidFill>
-            <a:srgbClr val="82CCFD"/>
+            <a:schemeClr val="bg1"/>
           </a:solidFill>
           <a:ln w="19050">
             <a:solidFill>
@@ -13937,54 +13806,9 @@
               </a:lnSpc>
               <a:defRPr/>
             </a:pPr>
-            <a:r>
-              <a:rPr lang="en-US" altLang="ko-KR" sz="1400" b="1" dirty="0" smtClean="0">
-                <a:solidFill>
-                  <a:prstClr val="white"/>
-                </a:solidFill>
-              </a:rPr>
-              <a:t>API</a:t>
-            </a:r>
-            <a:r>
-              <a:rPr lang="ko-KR" altLang="en-US" sz="1400" b="1" dirty="0" smtClean="0">
-                <a:solidFill>
-                  <a:prstClr val="white"/>
-                </a:solidFill>
-              </a:rPr>
-              <a:t>를 통한 데이터의 일관된 조회가 가능하도록</a:t>
-            </a:r>
-            <a:endParaRPr lang="en-US" altLang="ko-KR" sz="1400" b="1" dirty="0" smtClean="0">
-              <a:solidFill>
-                <a:prstClr val="white"/>
-              </a:solidFill>
-            </a:endParaRPr>
-          </a:p>
-          <a:p>
-            <a:pPr algn="ctr">
-              <a:lnSpc>
-                <a:spcPct val="150000"/>
-              </a:lnSpc>
-              <a:defRPr/>
-            </a:pPr>
-            <a:r>
-              <a:rPr lang="ko-KR" altLang="en-US" sz="1400" b="1" dirty="0" smtClean="0">
-                <a:solidFill>
-                  <a:prstClr val="white"/>
-                </a:solidFill>
-              </a:rPr>
-              <a:t>하였습니다</a:t>
-            </a:r>
-            <a:r>
-              <a:rPr lang="en-US" altLang="ko-KR" sz="1400" b="1" dirty="0" smtClean="0">
-                <a:solidFill>
-                  <a:prstClr val="white"/>
-                </a:solidFill>
-              </a:rPr>
-              <a:t>.</a:t>
-            </a:r>
             <a:endParaRPr lang="ko-KR" altLang="en-US" sz="900" dirty="0">
               <a:solidFill>
-                <a:prstClr val="white"/>
+                <a:srgbClr val="82CCFD"/>
               </a:solidFill>
             </a:endParaRPr>
           </a:p>
@@ -13995,7 +13819,7 @@
           <p:cNvPr id="59" name="타원 58">
             <a:extLst>
               <a:ext uri="{FF2B5EF4-FFF2-40B4-BE49-F238E27FC236}">
-                <a16:creationId xmlns:a16="http://schemas.microsoft.com/office/drawing/2014/main" id="{F77828A3-274D-4CF1-82CA-3ACB9C5AC754}"/>
+                <a16:creationId xmlns:a16="http://schemas.microsoft.com/office/drawing/2014/main" xmlns="" id="{F77828A3-274D-4CF1-82CA-3ACB9C5AC754}"/>
               </a:ext>
             </a:extLst>
           </p:cNvPr>
@@ -14004,14 +13828,14 @@
         </p:nvSpPr>
         <p:spPr>
           <a:xfrm>
-            <a:off x="6266742" y="1124727"/>
-            <a:ext cx="2434126" cy="2434126"/>
+            <a:off x="6380347" y="1329989"/>
+            <a:ext cx="2441851" cy="2441851"/>
           </a:xfrm>
           <a:prstGeom prst="ellipse">
             <a:avLst/>
           </a:prstGeom>
           <a:solidFill>
-            <a:srgbClr val="82CCFD"/>
+            <a:schemeClr val="bg1"/>
           </a:solidFill>
           <a:ln w="19050">
             <a:solidFill>
@@ -14045,67 +13869,9 @@
               </a:lnSpc>
               <a:defRPr/>
             </a:pPr>
-            <a:r>
-              <a:rPr lang="ko-KR" altLang="en-US" sz="1400" b="1" dirty="0" smtClean="0">
-                <a:solidFill>
-                  <a:schemeClr val="bg1"/>
-                </a:solidFill>
-              </a:rPr>
-              <a:t>날씨와 연관하여 옷차림을 추천하는 기능이 있다면</a:t>
-            </a:r>
-            <a:endParaRPr lang="en-US" altLang="ko-KR" sz="1400" b="1" dirty="0" smtClean="0">
-              <a:solidFill>
-                <a:schemeClr val="bg1"/>
-              </a:solidFill>
-            </a:endParaRPr>
-          </a:p>
-          <a:p>
-            <a:pPr algn="ctr">
-              <a:lnSpc>
-                <a:spcPct val="150000"/>
-              </a:lnSpc>
-              <a:defRPr/>
-            </a:pPr>
-            <a:r>
-              <a:rPr lang="ko-KR" altLang="en-US" sz="1400" b="1" dirty="0" smtClean="0">
-                <a:solidFill>
-                  <a:schemeClr val="bg1"/>
-                </a:solidFill>
-              </a:rPr>
-              <a:t>더 용이해 보여 </a:t>
-            </a:r>
-            <a:endParaRPr lang="en-US" altLang="ko-KR" sz="1400" b="1" dirty="0" smtClean="0">
-              <a:solidFill>
-                <a:schemeClr val="bg1"/>
-              </a:solidFill>
-            </a:endParaRPr>
-          </a:p>
-          <a:p>
-            <a:pPr algn="ctr">
-              <a:lnSpc>
-                <a:spcPct val="150000"/>
-              </a:lnSpc>
-              <a:defRPr/>
-            </a:pPr>
-            <a:r>
-              <a:rPr lang="ko-KR" altLang="en-US" sz="1400" b="1" dirty="0" smtClean="0">
-                <a:solidFill>
-                  <a:schemeClr val="bg1"/>
-                </a:solidFill>
-              </a:rPr>
-              <a:t>추가하였습니다</a:t>
-            </a:r>
-            <a:r>
-              <a:rPr lang="en-US" altLang="ko-KR" sz="1400" b="1" dirty="0" smtClean="0">
-                <a:solidFill>
-                  <a:schemeClr val="bg1"/>
-                </a:solidFill>
-              </a:rPr>
-              <a:t>.</a:t>
-            </a:r>
             <a:endParaRPr lang="ko-KR" altLang="en-US" sz="900" dirty="0">
               <a:solidFill>
-                <a:schemeClr val="bg1"/>
+                <a:srgbClr val="82CCFD"/>
               </a:solidFill>
             </a:endParaRPr>
           </a:p>
@@ -14116,7 +13882,7 @@
           <p:cNvPr id="60" name="타원 59">
             <a:extLst>
               <a:ext uri="{FF2B5EF4-FFF2-40B4-BE49-F238E27FC236}">
-                <a16:creationId xmlns:a16="http://schemas.microsoft.com/office/drawing/2014/main" id="{5D6CDD27-E213-4D3C-ACF1-F3B6923292BC}"/>
+                <a16:creationId xmlns:a16="http://schemas.microsoft.com/office/drawing/2014/main" xmlns="" id="{5D6CDD27-E213-4D3C-ACF1-F3B6923292BC}"/>
               </a:ext>
             </a:extLst>
           </p:cNvPr>
@@ -14125,14 +13891,14 @@
         </p:nvSpPr>
         <p:spPr>
           <a:xfrm>
-            <a:off x="9042353" y="1693544"/>
-            <a:ext cx="2434126" cy="2434126"/>
+            <a:off x="9182396" y="1936264"/>
+            <a:ext cx="2441851" cy="2441851"/>
           </a:xfrm>
           <a:prstGeom prst="ellipse">
             <a:avLst/>
           </a:prstGeom>
           <a:solidFill>
-            <a:srgbClr val="82CCFD"/>
+            <a:schemeClr val="bg1"/>
           </a:solidFill>
           <a:ln w="19050">
             <a:solidFill>
@@ -14166,62 +13932,9 @@
               </a:lnSpc>
               <a:defRPr/>
             </a:pPr>
-            <a:r>
-              <a:rPr lang="ko-KR" altLang="en-US" sz="1400" b="1" dirty="0" smtClean="0">
-                <a:solidFill>
-                  <a:prstClr val="white"/>
-                </a:solidFill>
-              </a:rPr>
-              <a:t>객체로 분리하여</a:t>
-            </a:r>
-            <a:endParaRPr lang="en-US" altLang="ko-KR" sz="1400" b="1" dirty="0" smtClean="0">
-              <a:solidFill>
-                <a:prstClr val="white"/>
-              </a:solidFill>
-            </a:endParaRPr>
-          </a:p>
-          <a:p>
-            <a:pPr algn="ctr">
-              <a:lnSpc>
-                <a:spcPct val="150000"/>
-              </a:lnSpc>
-              <a:defRPr/>
-            </a:pPr>
-            <a:r>
-              <a:rPr lang="ko-KR" altLang="en-US" sz="1400" b="1" dirty="0" smtClean="0">
-                <a:solidFill>
-                  <a:prstClr val="white"/>
-                </a:solidFill>
-              </a:rPr>
-              <a:t>전체적인 코드의 </a:t>
-            </a:r>
-            <a:r>
-              <a:rPr lang="ko-KR" altLang="en-US" sz="1400" b="1" dirty="0" err="1" smtClean="0">
-                <a:solidFill>
-                  <a:prstClr val="white"/>
-                </a:solidFill>
-              </a:rPr>
-              <a:t>가독성을</a:t>
-            </a:r>
-            <a:r>
-              <a:rPr lang="ko-KR" altLang="en-US" sz="1400" b="1" dirty="0" smtClean="0">
-                <a:solidFill>
-                  <a:prstClr val="white"/>
-                </a:solidFill>
-              </a:rPr>
-              <a:t> 높였습니다</a:t>
-            </a:r>
-            <a:r>
-              <a:rPr lang="en-US" altLang="ko-KR" sz="1400" b="1" dirty="0" smtClean="0">
-                <a:solidFill>
-                  <a:prstClr val="white"/>
-                </a:solidFill>
-              </a:rPr>
-              <a:t>.</a:t>
-            </a:r>
             <a:endParaRPr lang="ko-KR" altLang="en-US" sz="900" dirty="0">
               <a:solidFill>
-                <a:prstClr val="white"/>
+                <a:srgbClr val="82CCFD"/>
               </a:solidFill>
             </a:endParaRPr>
           </a:p>
@@ -14232,7 +13945,7 @@
           <p:cNvPr id="66" name="직선 연결선 65">
             <a:extLst>
               <a:ext uri="{FF2B5EF4-FFF2-40B4-BE49-F238E27FC236}">
-                <a16:creationId xmlns:a16="http://schemas.microsoft.com/office/drawing/2014/main" id="{D8171E6A-87D6-4359-92E8-4FEC9B54AF48}"/>
+                <a16:creationId xmlns:a16="http://schemas.microsoft.com/office/drawing/2014/main" xmlns="" id="{D8171E6A-87D6-4359-92E8-4FEC9B54AF48}"/>
               </a:ext>
             </a:extLst>
           </p:cNvPr>
@@ -14245,8 +13958,8 @@
         </p:nvCxnSpPr>
         <p:spPr>
           <a:xfrm flipH="1" flipV="1">
-            <a:off x="2834056" y="3771201"/>
-            <a:ext cx="1524269" cy="1717238"/>
+            <a:off x="2623033" y="4020514"/>
+            <a:ext cx="1528837" cy="1286692"/>
           </a:xfrm>
           <a:prstGeom prst="line">
             <a:avLst/>
@@ -14279,7 +13992,7 @@
           <p:cNvPr id="67" name="직선 연결선 66">
             <a:extLst>
               <a:ext uri="{FF2B5EF4-FFF2-40B4-BE49-F238E27FC236}">
-                <a16:creationId xmlns:a16="http://schemas.microsoft.com/office/drawing/2014/main" id="{D8171E6A-87D6-4359-92E8-4FEC9B54AF48}"/>
+                <a16:creationId xmlns:a16="http://schemas.microsoft.com/office/drawing/2014/main" xmlns="" id="{D8171E6A-87D6-4359-92E8-4FEC9B54AF48}"/>
               </a:ext>
             </a:extLst>
           </p:cNvPr>
@@ -14292,8 +14005,8 @@
         </p:nvCxnSpPr>
         <p:spPr>
           <a:xfrm flipH="1" flipV="1">
-            <a:off x="4708194" y="3558853"/>
-            <a:ext cx="1387806" cy="819262"/>
+            <a:off x="4597515" y="3771840"/>
+            <a:ext cx="1498485" cy="293123"/>
           </a:xfrm>
           <a:prstGeom prst="line">
             <a:avLst/>
@@ -14326,7 +14039,7 @@
           <p:cNvPr id="68" name="직선 연결선 67">
             <a:extLst>
               <a:ext uri="{FF2B5EF4-FFF2-40B4-BE49-F238E27FC236}">
-                <a16:creationId xmlns:a16="http://schemas.microsoft.com/office/drawing/2014/main" id="{D8171E6A-87D6-4359-92E8-4FEC9B54AF48}"/>
+                <a16:creationId xmlns:a16="http://schemas.microsoft.com/office/drawing/2014/main" xmlns="" id="{D8171E6A-87D6-4359-92E8-4FEC9B54AF48}"/>
               </a:ext>
             </a:extLst>
           </p:cNvPr>
@@ -14339,8 +14052,8 @@
         </p:nvCxnSpPr>
         <p:spPr>
           <a:xfrm flipV="1">
-            <a:off x="6096000" y="3558853"/>
-            <a:ext cx="1387805" cy="819262"/>
+            <a:off x="6096000" y="3771840"/>
+            <a:ext cx="1505273" cy="293123"/>
           </a:xfrm>
           <a:prstGeom prst="line">
             <a:avLst/>
@@ -14373,7 +14086,7 @@
           <p:cNvPr id="69" name="직선 연결선 68">
             <a:extLst>
               <a:ext uri="{FF2B5EF4-FFF2-40B4-BE49-F238E27FC236}">
-                <a16:creationId xmlns:a16="http://schemas.microsoft.com/office/drawing/2014/main" id="{D8171E6A-87D6-4359-92E8-4FEC9B54AF48}"/>
+                <a16:creationId xmlns:a16="http://schemas.microsoft.com/office/drawing/2014/main" xmlns="" id="{D8171E6A-87D6-4359-92E8-4FEC9B54AF48}"/>
               </a:ext>
             </a:extLst>
           </p:cNvPr>
@@ -14386,8 +14099,8 @@
         </p:nvCxnSpPr>
         <p:spPr>
           <a:xfrm flipV="1">
-            <a:off x="7833675" y="3771201"/>
-            <a:ext cx="1565147" cy="1717238"/>
+            <a:off x="8040130" y="4020514"/>
+            <a:ext cx="1499867" cy="1286692"/>
           </a:xfrm>
           <a:prstGeom prst="line">
             <a:avLst/>
@@ -14431,8 +14144,8 @@
         </p:blipFill>
         <p:spPr>
           <a:xfrm>
-            <a:off x="4358325" y="4378115"/>
-            <a:ext cx="3475350" cy="2220648"/>
+            <a:off x="4151870" y="4064963"/>
+            <a:ext cx="3888260" cy="2484486"/>
           </a:xfrm>
           <a:prstGeom prst="rect">
             <a:avLst/>
@@ -14542,15 +14255,7 @@
                   <a:prstClr val="white"/>
                 </a:solidFill>
               </a:rPr>
-              <a:t> </a:t>
-            </a:r>
-            <a:r>
-              <a:rPr lang="ko-KR" altLang="en-US" sz="2400" b="1" i="1" kern="0" dirty="0" smtClean="0">
-                <a:solidFill>
-                  <a:prstClr val="white"/>
-                </a:solidFill>
-              </a:rPr>
-              <a:t>옷차림 추천 프로그램</a:t>
+              <a:t> 옷차림 추천 프로그램</a:t>
             </a:r>
             <a:endParaRPr lang="en-US" altLang="ko-KR" sz="1000" b="1" i="1" kern="0" dirty="0">
               <a:solidFill>
@@ -14643,6 +14348,549 @@
           </a:prstGeom>
         </p:spPr>
       </p:pic>
+      <p:sp>
+        <p:nvSpPr>
+          <p:cNvPr id="10" name="TextBox 9"/>
+          <p:cNvSpPr txBox="1"/>
+          <p:nvPr/>
+        </p:nvSpPr>
+        <p:spPr>
+          <a:xfrm>
+            <a:off x="712769" y="2464691"/>
+            <a:ext cx="2093878" cy="1384995"/>
+          </a:xfrm>
+          <a:prstGeom prst="rect">
+            <a:avLst/>
+          </a:prstGeom>
+          <a:noFill/>
+        </p:spPr>
+        <p:txBody>
+          <a:bodyPr wrap="square" rtlCol="0">
+            <a:spAutoFit/>
+          </a:bodyPr>
+          <a:lstStyle/>
+          <a:p>
+            <a:pPr algn="ctr">
+              <a:lnSpc>
+                <a:spcPct val="150000"/>
+              </a:lnSpc>
+              <a:defRPr/>
+            </a:pPr>
+            <a:r>
+              <a:rPr lang="en-US" altLang="ko-KR" sz="1400" b="1" dirty="0">
+                <a:solidFill>
+                  <a:srgbClr val="82CCFD"/>
+                </a:solidFill>
+              </a:rPr>
+              <a:t>API</a:t>
+            </a:r>
+            <a:r>
+              <a:rPr lang="ko-KR" altLang="en-US" sz="1400" b="1" dirty="0">
+                <a:solidFill>
+                  <a:srgbClr val="82CCFD"/>
+                </a:solidFill>
+              </a:rPr>
+              <a:t>를 활용하여</a:t>
+            </a:r>
+            <a:endParaRPr lang="en-US" altLang="ko-KR" sz="1400" b="1" dirty="0">
+              <a:solidFill>
+                <a:srgbClr val="82CCFD"/>
+              </a:solidFill>
+            </a:endParaRPr>
+          </a:p>
+          <a:p>
+            <a:pPr algn="ctr">
+              <a:lnSpc>
+                <a:spcPct val="150000"/>
+              </a:lnSpc>
+              <a:defRPr/>
+            </a:pPr>
+            <a:r>
+              <a:rPr lang="ko-KR" altLang="en-US" sz="1400" b="1" dirty="0">
+                <a:solidFill>
+                  <a:srgbClr val="82CCFD"/>
+                </a:solidFill>
+              </a:rPr>
+              <a:t>날씨를 알려주는 </a:t>
+            </a:r>
+            <a:endParaRPr lang="en-US" altLang="ko-KR" sz="1400" b="1" dirty="0">
+              <a:solidFill>
+                <a:srgbClr val="82CCFD"/>
+              </a:solidFill>
+            </a:endParaRPr>
+          </a:p>
+          <a:p>
+            <a:pPr algn="ctr">
+              <a:lnSpc>
+                <a:spcPct val="150000"/>
+              </a:lnSpc>
+              <a:defRPr/>
+            </a:pPr>
+            <a:r>
+              <a:rPr lang="ko-KR" altLang="en-US" sz="1400" b="1" dirty="0">
+                <a:solidFill>
+                  <a:srgbClr val="82CCFD"/>
+                </a:solidFill>
+              </a:rPr>
+              <a:t>프로그램을</a:t>
+            </a:r>
+            <a:endParaRPr lang="en-US" altLang="ko-KR" sz="1400" b="1" dirty="0">
+              <a:solidFill>
+                <a:srgbClr val="82CCFD"/>
+              </a:solidFill>
+            </a:endParaRPr>
+          </a:p>
+          <a:p>
+            <a:pPr algn="ctr">
+              <a:lnSpc>
+                <a:spcPct val="150000"/>
+              </a:lnSpc>
+              <a:defRPr/>
+            </a:pPr>
+            <a:r>
+              <a:rPr lang="ko-KR" altLang="en-US" sz="1400" b="1" dirty="0">
+                <a:solidFill>
+                  <a:srgbClr val="82CCFD"/>
+                </a:solidFill>
+              </a:rPr>
+              <a:t>구상하였습니다</a:t>
+            </a:r>
+            <a:r>
+              <a:rPr lang="en-US" altLang="ko-KR" sz="1400" b="1" dirty="0">
+                <a:solidFill>
+                  <a:srgbClr val="82CCFD"/>
+                </a:solidFill>
+              </a:rPr>
+              <a:t>.</a:t>
+            </a:r>
+            <a:endParaRPr lang="ko-KR" altLang="en-US" sz="900" dirty="0">
+              <a:solidFill>
+                <a:prstClr val="white"/>
+              </a:solidFill>
+            </a:endParaRPr>
+          </a:p>
+        </p:txBody>
+      </p:sp>
+      <p:sp>
+        <p:nvSpPr>
+          <p:cNvPr id="11" name="TextBox 10"/>
+          <p:cNvSpPr txBox="1"/>
+          <p:nvPr/>
+        </p:nvSpPr>
+        <p:spPr>
+          <a:xfrm>
+            <a:off x="3477168" y="1774764"/>
+            <a:ext cx="2240692" cy="1708160"/>
+          </a:xfrm>
+          <a:prstGeom prst="rect">
+            <a:avLst/>
+          </a:prstGeom>
+          <a:noFill/>
+        </p:spPr>
+        <p:txBody>
+          <a:bodyPr wrap="square" rtlCol="0">
+            <a:spAutoFit/>
+          </a:bodyPr>
+          <a:lstStyle/>
+          <a:p>
+            <a:pPr algn="ctr">
+              <a:lnSpc>
+                <a:spcPct val="150000"/>
+              </a:lnSpc>
+              <a:defRPr/>
+            </a:pPr>
+            <a:r>
+              <a:rPr lang="en-US" altLang="ko-KR" sz="1400" b="1" dirty="0">
+                <a:solidFill>
+                  <a:srgbClr val="82CCFD"/>
+                </a:solidFill>
+              </a:rPr>
+              <a:t>API</a:t>
+            </a:r>
+            <a:r>
+              <a:rPr lang="ko-KR" altLang="en-US" sz="1400" b="1" dirty="0">
+                <a:solidFill>
+                  <a:srgbClr val="82CCFD"/>
+                </a:solidFill>
+              </a:rPr>
+              <a:t>를 이용해</a:t>
+            </a:r>
+            <a:endParaRPr lang="en-US" altLang="ko-KR" sz="1400" b="1" dirty="0">
+              <a:solidFill>
+                <a:srgbClr val="82CCFD"/>
+              </a:solidFill>
+            </a:endParaRPr>
+          </a:p>
+          <a:p>
+            <a:pPr algn="ctr">
+              <a:lnSpc>
+                <a:spcPct val="150000"/>
+              </a:lnSpc>
+              <a:defRPr/>
+            </a:pPr>
+            <a:r>
+              <a:rPr lang="ko-KR" altLang="en-US" sz="1400" b="1" dirty="0">
+                <a:solidFill>
+                  <a:srgbClr val="82CCFD"/>
+                </a:solidFill>
+              </a:rPr>
+              <a:t>데이터의 </a:t>
+            </a:r>
+            <a:endParaRPr lang="en-US" altLang="ko-KR" sz="1400" b="1" dirty="0">
+              <a:solidFill>
+                <a:srgbClr val="82CCFD"/>
+              </a:solidFill>
+            </a:endParaRPr>
+          </a:p>
+          <a:p>
+            <a:pPr algn="ctr">
+              <a:lnSpc>
+                <a:spcPct val="150000"/>
+              </a:lnSpc>
+              <a:defRPr/>
+            </a:pPr>
+            <a:r>
+              <a:rPr lang="ko-KR" altLang="en-US" sz="1400" b="1" dirty="0">
+                <a:solidFill>
+                  <a:srgbClr val="82CCFD"/>
+                </a:solidFill>
+              </a:rPr>
+              <a:t>일관된 조회가</a:t>
+            </a:r>
+            <a:endParaRPr lang="en-US" altLang="ko-KR" sz="1400" b="1" dirty="0">
+              <a:solidFill>
+                <a:srgbClr val="82CCFD"/>
+              </a:solidFill>
+            </a:endParaRPr>
+          </a:p>
+          <a:p>
+            <a:pPr algn="ctr">
+              <a:lnSpc>
+                <a:spcPct val="150000"/>
+              </a:lnSpc>
+              <a:defRPr/>
+            </a:pPr>
+            <a:r>
+              <a:rPr lang="ko-KR" altLang="en-US" sz="1400" b="1" dirty="0">
+                <a:solidFill>
+                  <a:srgbClr val="82CCFD"/>
+                </a:solidFill>
+              </a:rPr>
+              <a:t>가능하도록</a:t>
+            </a:r>
+            <a:endParaRPr lang="en-US" altLang="ko-KR" sz="1400" b="1" dirty="0">
+              <a:solidFill>
+                <a:srgbClr val="82CCFD"/>
+              </a:solidFill>
+            </a:endParaRPr>
+          </a:p>
+          <a:p>
+            <a:pPr algn="ctr">
+              <a:lnSpc>
+                <a:spcPct val="150000"/>
+              </a:lnSpc>
+              <a:defRPr/>
+            </a:pPr>
+            <a:r>
+              <a:rPr lang="ko-KR" altLang="en-US" sz="1400" b="1" dirty="0">
+                <a:solidFill>
+                  <a:srgbClr val="82CCFD"/>
+                </a:solidFill>
+              </a:rPr>
+              <a:t>하였습니다</a:t>
+            </a:r>
+            <a:r>
+              <a:rPr lang="en-US" altLang="ko-KR" sz="1400" b="1" dirty="0">
+                <a:solidFill>
+                  <a:srgbClr val="82CCFD"/>
+                </a:solidFill>
+              </a:rPr>
+              <a:t>.</a:t>
+            </a:r>
+            <a:endParaRPr lang="ko-KR" altLang="en-US" sz="900" dirty="0">
+              <a:solidFill>
+                <a:srgbClr val="82CCFD"/>
+              </a:solidFill>
+            </a:endParaRPr>
+          </a:p>
+        </p:txBody>
+      </p:sp>
+      <p:sp>
+        <p:nvSpPr>
+          <p:cNvPr id="12" name="TextBox 11"/>
+          <p:cNvSpPr txBox="1"/>
+          <p:nvPr/>
+        </p:nvSpPr>
+        <p:spPr>
+          <a:xfrm>
+            <a:off x="6513878" y="1535251"/>
+            <a:ext cx="2174789" cy="2031325"/>
+          </a:xfrm>
+          <a:prstGeom prst="rect">
+            <a:avLst/>
+          </a:prstGeom>
+          <a:noFill/>
+        </p:spPr>
+        <p:txBody>
+          <a:bodyPr wrap="square" rtlCol="0">
+            <a:spAutoFit/>
+          </a:bodyPr>
+          <a:lstStyle/>
+          <a:p>
+            <a:pPr algn="ctr">
+              <a:lnSpc>
+                <a:spcPct val="150000"/>
+              </a:lnSpc>
+              <a:defRPr/>
+            </a:pPr>
+            <a:r>
+              <a:rPr lang="ko-KR" altLang="en-US" sz="1400" b="1" dirty="0">
+                <a:solidFill>
+                  <a:srgbClr val="82CCFD"/>
+                </a:solidFill>
+              </a:rPr>
+              <a:t>기온과 연결하여 </a:t>
+            </a:r>
+            <a:endParaRPr lang="en-US" altLang="ko-KR" sz="1400" b="1" dirty="0">
+              <a:solidFill>
+                <a:srgbClr val="82CCFD"/>
+              </a:solidFill>
+            </a:endParaRPr>
+          </a:p>
+          <a:p>
+            <a:pPr algn="ctr">
+              <a:lnSpc>
+                <a:spcPct val="150000"/>
+              </a:lnSpc>
+              <a:defRPr/>
+            </a:pPr>
+            <a:r>
+              <a:rPr lang="ko-KR" altLang="en-US" sz="1400" b="1" dirty="0">
+                <a:solidFill>
+                  <a:srgbClr val="82CCFD"/>
+                </a:solidFill>
+              </a:rPr>
+              <a:t>옷차림을 추천하는 </a:t>
+            </a:r>
+            <a:endParaRPr lang="en-US" altLang="ko-KR" sz="1400" b="1" dirty="0">
+              <a:solidFill>
+                <a:srgbClr val="82CCFD"/>
+              </a:solidFill>
+            </a:endParaRPr>
+          </a:p>
+          <a:p>
+            <a:pPr algn="ctr">
+              <a:lnSpc>
+                <a:spcPct val="150000"/>
+              </a:lnSpc>
+              <a:defRPr/>
+            </a:pPr>
+            <a:r>
+              <a:rPr lang="ko-KR" altLang="en-US" sz="1400" b="1" dirty="0">
+                <a:solidFill>
+                  <a:srgbClr val="82CCFD"/>
+                </a:solidFill>
+              </a:rPr>
+              <a:t>기능이 있다면</a:t>
+            </a:r>
+            <a:endParaRPr lang="en-US" altLang="ko-KR" sz="1400" b="1" dirty="0">
+              <a:solidFill>
+                <a:srgbClr val="82CCFD"/>
+              </a:solidFill>
+            </a:endParaRPr>
+          </a:p>
+          <a:p>
+            <a:pPr algn="ctr">
+              <a:lnSpc>
+                <a:spcPct val="150000"/>
+              </a:lnSpc>
+              <a:defRPr/>
+            </a:pPr>
+            <a:r>
+              <a:rPr lang="ko-KR" altLang="en-US" sz="1400" b="1" dirty="0">
+                <a:solidFill>
+                  <a:srgbClr val="82CCFD"/>
+                </a:solidFill>
+              </a:rPr>
+              <a:t>용이할 것이라고 </a:t>
+            </a:r>
+            <a:endParaRPr lang="en-US" altLang="ko-KR" sz="1400" b="1" dirty="0">
+              <a:solidFill>
+                <a:srgbClr val="82CCFD"/>
+              </a:solidFill>
+            </a:endParaRPr>
+          </a:p>
+          <a:p>
+            <a:pPr algn="ctr">
+              <a:lnSpc>
+                <a:spcPct val="150000"/>
+              </a:lnSpc>
+              <a:defRPr/>
+            </a:pPr>
+            <a:r>
+              <a:rPr lang="ko-KR" altLang="en-US" sz="1400" b="1" dirty="0">
+                <a:solidFill>
+                  <a:srgbClr val="82CCFD"/>
+                </a:solidFill>
+              </a:rPr>
+              <a:t>생각하여</a:t>
+            </a:r>
+            <a:endParaRPr lang="en-US" altLang="ko-KR" sz="1400" b="1" dirty="0">
+              <a:solidFill>
+                <a:srgbClr val="82CCFD"/>
+              </a:solidFill>
+            </a:endParaRPr>
+          </a:p>
+          <a:p>
+            <a:pPr algn="ctr">
+              <a:lnSpc>
+                <a:spcPct val="150000"/>
+              </a:lnSpc>
+              <a:defRPr/>
+            </a:pPr>
+            <a:r>
+              <a:rPr lang="ko-KR" altLang="en-US" sz="1400" b="1" dirty="0">
+                <a:solidFill>
+                  <a:srgbClr val="82CCFD"/>
+                </a:solidFill>
+              </a:rPr>
+              <a:t>추가하였습니다</a:t>
+            </a:r>
+            <a:r>
+              <a:rPr lang="en-US" altLang="ko-KR" sz="1400" b="1" dirty="0">
+                <a:solidFill>
+                  <a:srgbClr val="82CCFD"/>
+                </a:solidFill>
+              </a:rPr>
+              <a:t>.</a:t>
+            </a:r>
+            <a:endParaRPr lang="ko-KR" altLang="en-US" sz="900" dirty="0">
+              <a:solidFill>
+                <a:srgbClr val="82CCFD"/>
+              </a:solidFill>
+            </a:endParaRPr>
+          </a:p>
+        </p:txBody>
+      </p:sp>
+      <p:sp>
+        <p:nvSpPr>
+          <p:cNvPr id="13" name="TextBox 12"/>
+          <p:cNvSpPr txBox="1"/>
+          <p:nvPr/>
+        </p:nvSpPr>
+        <p:spPr>
+          <a:xfrm>
+            <a:off x="9328283" y="2485498"/>
+            <a:ext cx="2150076" cy="1343381"/>
+          </a:xfrm>
+          <a:prstGeom prst="rect">
+            <a:avLst/>
+          </a:prstGeom>
+          <a:noFill/>
+        </p:spPr>
+        <p:txBody>
+          <a:bodyPr wrap="square" rtlCol="0">
+            <a:spAutoFit/>
+          </a:bodyPr>
+          <a:lstStyle/>
+          <a:p>
+            <a:pPr algn="ctr">
+              <a:lnSpc>
+                <a:spcPct val="150000"/>
+              </a:lnSpc>
+              <a:defRPr/>
+            </a:pPr>
+            <a:r>
+              <a:rPr lang="ko-KR" altLang="en-US" sz="1400" b="1" dirty="0">
+                <a:solidFill>
+                  <a:srgbClr val="82CCFD"/>
+                </a:solidFill>
+              </a:rPr>
+              <a:t>객체로 분리하여</a:t>
+            </a:r>
+            <a:endParaRPr lang="en-US" altLang="ko-KR" sz="1400" b="1" dirty="0">
+              <a:solidFill>
+                <a:srgbClr val="82CCFD"/>
+              </a:solidFill>
+            </a:endParaRPr>
+          </a:p>
+          <a:p>
+            <a:pPr algn="ctr">
+              <a:lnSpc>
+                <a:spcPct val="150000"/>
+              </a:lnSpc>
+              <a:defRPr/>
+            </a:pPr>
+            <a:r>
+              <a:rPr lang="ko-KR" altLang="en-US" sz="1400" b="1" dirty="0">
+                <a:solidFill>
+                  <a:srgbClr val="82CCFD"/>
+                </a:solidFill>
+              </a:rPr>
+              <a:t>전체적인 코드의 </a:t>
+            </a:r>
+            <a:endParaRPr lang="en-US" altLang="ko-KR" sz="1400" b="1" dirty="0">
+              <a:solidFill>
+                <a:srgbClr val="82CCFD"/>
+              </a:solidFill>
+            </a:endParaRPr>
+          </a:p>
+          <a:p>
+            <a:pPr algn="ctr">
+              <a:lnSpc>
+                <a:spcPct val="150000"/>
+              </a:lnSpc>
+              <a:defRPr/>
+            </a:pPr>
+            <a:r>
+              <a:rPr lang="ko-KR" altLang="en-US" sz="1400" b="1" dirty="0" err="1">
+                <a:solidFill>
+                  <a:srgbClr val="82CCFD"/>
+                </a:solidFill>
+              </a:rPr>
+              <a:t>가독성을</a:t>
+            </a:r>
+            <a:r>
+              <a:rPr lang="ko-KR" altLang="en-US" sz="1400" b="1" dirty="0">
+                <a:solidFill>
+                  <a:srgbClr val="82CCFD"/>
+                </a:solidFill>
+              </a:rPr>
+              <a:t> </a:t>
+            </a:r>
+            <a:endParaRPr lang="en-US" altLang="ko-KR" sz="1400" b="1" dirty="0">
+              <a:solidFill>
+                <a:srgbClr val="82CCFD"/>
+              </a:solidFill>
+            </a:endParaRPr>
+          </a:p>
+          <a:p>
+            <a:pPr algn="ctr">
+              <a:lnSpc>
+                <a:spcPct val="150000"/>
+              </a:lnSpc>
+              <a:defRPr/>
+            </a:pPr>
+            <a:r>
+              <a:rPr lang="ko-KR" altLang="en-US" sz="1400" b="1" dirty="0">
+                <a:solidFill>
+                  <a:srgbClr val="82CCFD"/>
+                </a:solidFill>
+              </a:rPr>
+              <a:t>높였습니다</a:t>
+            </a:r>
+            <a:r>
+              <a:rPr lang="en-US" altLang="ko-KR" sz="1400" b="1" dirty="0" smtClean="0">
+                <a:solidFill>
+                  <a:srgbClr val="82CCFD"/>
+                </a:solidFill>
+              </a:rPr>
+              <a:t>.</a:t>
+            </a:r>
+            <a:endParaRPr lang="ko-KR" altLang="en-US" sz="1400" dirty="0"/>
+          </a:p>
+        </p:txBody>
+      </p:sp>
     </p:spTree>
     <p:extLst>
       <p:ext uri="{BB962C8B-B14F-4D97-AF65-F5344CB8AC3E}">
@@ -14839,15 +15087,7 @@
                   <a:prstClr val="white"/>
                 </a:solidFill>
               </a:rPr>
-              <a:t> </a:t>
-            </a:r>
-            <a:r>
-              <a:rPr lang="ko-KR" altLang="en-US" sz="2400" b="1" i="1" kern="0" dirty="0" smtClean="0">
-                <a:solidFill>
-                  <a:prstClr val="white"/>
-                </a:solidFill>
-              </a:rPr>
-              <a:t>옷차림 추천 프로그램</a:t>
+              <a:t> 옷차림 추천 프로그램</a:t>
             </a:r>
             <a:endParaRPr lang="en-US" altLang="ko-KR" sz="1000" b="1" i="1" kern="0" dirty="0">
               <a:solidFill>
@@ -15138,7 +15378,7 @@
           <p:cNvPr id="18" name="직선 연결선 17">
             <a:extLst>
               <a:ext uri="{FF2B5EF4-FFF2-40B4-BE49-F238E27FC236}">
-                <a16:creationId xmlns:a16="http://schemas.microsoft.com/office/drawing/2014/main" id="{D8171E6A-87D6-4359-92E8-4FEC9B54AF48}"/>
+                <a16:creationId xmlns:a16="http://schemas.microsoft.com/office/drawing/2014/main" xmlns="" id="{D8171E6A-87D6-4359-92E8-4FEC9B54AF48}"/>
               </a:ext>
             </a:extLst>
           </p:cNvPr>
@@ -15436,15 +15676,7 @@
                   <a:prstClr val="white"/>
                 </a:solidFill>
               </a:rPr>
-              <a:t> </a:t>
-            </a:r>
-            <a:r>
-              <a:rPr lang="ko-KR" altLang="en-US" sz="2400" b="1" i="1" kern="0" dirty="0" smtClean="0">
-                <a:solidFill>
-                  <a:prstClr val="white"/>
-                </a:solidFill>
-              </a:rPr>
-              <a:t>옷차림 추천 프로그램</a:t>
+              <a:t> 옷차림 추천 프로그램</a:t>
             </a:r>
             <a:endParaRPr lang="en-US" altLang="ko-KR" sz="1000" b="1" i="1" kern="0" dirty="0">
               <a:solidFill>
@@ -15705,7 +15937,7 @@
           <p:cNvPr id="18" name="직선 연결선 17">
             <a:extLst>
               <a:ext uri="{FF2B5EF4-FFF2-40B4-BE49-F238E27FC236}">
-                <a16:creationId xmlns:a16="http://schemas.microsoft.com/office/drawing/2014/main" id="{D8171E6A-87D6-4359-92E8-4FEC9B54AF48}"/>
+                <a16:creationId xmlns:a16="http://schemas.microsoft.com/office/drawing/2014/main" xmlns="" id="{D8171E6A-87D6-4359-92E8-4FEC9B54AF48}"/>
               </a:ext>
             </a:extLst>
           </p:cNvPr>
@@ -15900,7 +16132,7 @@
           <p:cNvPr id="15" name="직선 연결선 14">
             <a:extLst>
               <a:ext uri="{FF2B5EF4-FFF2-40B4-BE49-F238E27FC236}">
-                <a16:creationId xmlns:a16="http://schemas.microsoft.com/office/drawing/2014/main" id="{D8171E6A-87D6-4359-92E8-4FEC9B54AF48}"/>
+                <a16:creationId xmlns:a16="http://schemas.microsoft.com/office/drawing/2014/main" xmlns="" id="{D8171E6A-87D6-4359-92E8-4FEC9B54AF48}"/>
               </a:ext>
             </a:extLst>
           </p:cNvPr>
@@ -16069,15 +16301,7 @@
                   <a:prstClr val="white"/>
                 </a:solidFill>
               </a:rPr>
-              <a:t> </a:t>
-            </a:r>
-            <a:r>
-              <a:rPr lang="ko-KR" altLang="en-US" sz="2400" b="1" i="1" kern="0" dirty="0" smtClean="0">
-                <a:solidFill>
-                  <a:prstClr val="white"/>
-                </a:solidFill>
-              </a:rPr>
-              <a:t>옷차림 추천 프로그램</a:t>
+              <a:t> 옷차림 추천 프로그램</a:t>
             </a:r>
             <a:endParaRPr lang="en-US" altLang="ko-KR" sz="1000" b="1" i="1" kern="0" dirty="0">
               <a:solidFill>
@@ -16290,7 +16514,7 @@
           <p:cNvPr id="18" name="직선 연결선 17">
             <a:extLst>
               <a:ext uri="{FF2B5EF4-FFF2-40B4-BE49-F238E27FC236}">
-                <a16:creationId xmlns:a16="http://schemas.microsoft.com/office/drawing/2014/main" id="{D8171E6A-87D6-4359-92E8-4FEC9B54AF48}"/>
+                <a16:creationId xmlns:a16="http://schemas.microsoft.com/office/drawing/2014/main" xmlns="" id="{D8171E6A-87D6-4359-92E8-4FEC9B54AF48}"/>
               </a:ext>
             </a:extLst>
           </p:cNvPr>
@@ -16627,15 +16851,7 @@
                   <a:prstClr val="white"/>
                 </a:solidFill>
               </a:rPr>
-              <a:t> </a:t>
-            </a:r>
-            <a:r>
-              <a:rPr lang="ko-KR" altLang="en-US" sz="2400" b="1" i="1" kern="0" dirty="0" smtClean="0">
-                <a:solidFill>
-                  <a:prstClr val="white"/>
-                </a:solidFill>
-              </a:rPr>
-              <a:t>옷차림 추천 프로그램</a:t>
+              <a:t> 옷차림 추천 프로그램</a:t>
             </a:r>
             <a:endParaRPr lang="en-US" altLang="ko-KR" sz="1000" b="1" i="1" kern="0" dirty="0">
               <a:solidFill>
@@ -16987,7 +17203,7 @@
           <p:cNvPr id="21" name="직선 연결선 20">
             <a:extLst>
               <a:ext uri="{FF2B5EF4-FFF2-40B4-BE49-F238E27FC236}">
-                <a16:creationId xmlns:a16="http://schemas.microsoft.com/office/drawing/2014/main" id="{D8171E6A-87D6-4359-92E8-4FEC9B54AF48}"/>
+                <a16:creationId xmlns:a16="http://schemas.microsoft.com/office/drawing/2014/main" xmlns="" id="{D8171E6A-87D6-4359-92E8-4FEC9B54AF48}"/>
               </a:ext>
             </a:extLst>
           </p:cNvPr>
@@ -17130,7 +17346,7 @@
           <p:cNvPr id="18" name="직선 연결선 17">
             <a:extLst>
               <a:ext uri="{FF2B5EF4-FFF2-40B4-BE49-F238E27FC236}">
-                <a16:creationId xmlns:a16="http://schemas.microsoft.com/office/drawing/2014/main" id="{D8171E6A-87D6-4359-92E8-4FEC9B54AF48}"/>
+                <a16:creationId xmlns:a16="http://schemas.microsoft.com/office/drawing/2014/main" xmlns="" id="{D8171E6A-87D6-4359-92E8-4FEC9B54AF48}"/>
               </a:ext>
             </a:extLst>
           </p:cNvPr>
@@ -17275,15 +17491,7 @@
                   <a:prstClr val="white"/>
                 </a:solidFill>
               </a:rPr>
-              <a:t> </a:t>
-            </a:r>
-            <a:r>
-              <a:rPr lang="ko-KR" altLang="en-US" sz="2400" b="1" i="1" kern="0" dirty="0" smtClean="0">
-                <a:solidFill>
-                  <a:prstClr val="white"/>
-                </a:solidFill>
-              </a:rPr>
-              <a:t>옷차림 추천 프로그램</a:t>
+              <a:t> 옷차림 추천 프로그램</a:t>
             </a:r>
             <a:endParaRPr lang="en-US" altLang="ko-KR" sz="1000" b="1" i="1" kern="0" dirty="0">
               <a:solidFill>
@@ -17439,7 +17647,7 @@
     </a:clrScheme>
     <a:fontScheme name="Office">
       <a:majorFont>
-        <a:latin typeface="맑은 고딕" panose="020F0302020204030204"/>
+        <a:latin typeface="맑은 고딕"/>
         <a:ea typeface=""/>
         <a:cs typeface=""/>
         <a:font script="Jpan" typeface="游ゴシック Light"/>
@@ -17491,7 +17699,7 @@
         <a:font script="Tfng" typeface="Ebrima"/>
       </a:majorFont>
       <a:minorFont>
-        <a:latin typeface="맑은 고딕" panose="020F0502020204030204"/>
+        <a:latin typeface="맑은 고딕"/>
         <a:ea typeface=""/>
         <a:cs typeface=""/>
         <a:font script="Jpan" typeface="游ゴシック"/>
@@ -17754,7 +17962,7 @@
   <a:extraClrSchemeLst/>
   <a:extLst>
     <a:ext uri="{05A4C25C-085E-4340-85A3-A5531E510DB2}">
-      <thm15:themeFamily xmlns:thm15="http://schemas.microsoft.com/office/thememl/2012/main" name="Office Theme" id="{62F939B6-93AF-4DB8-9C6B-D6C7DFDC589F}" vid="{4A3C46E8-61CC-4603-A589-7422A47A8E4A}"/>
+      <thm15:themeFamily xmlns:thm15="http://schemas.microsoft.com/office/thememl/2012/main" xmlns="" name="Office Theme" id="{62F939B6-93AF-4DB8-9C6B-D6C7DFDC589F}" vid="{4A3C46E8-61CC-4603-A589-7422A47A8E4A}"/>
     </a:ext>
   </a:extLst>
 </a:theme>

--- a/포트폴리오/C#/날씨 확인 프로그램/기온별 옷차림 추천 프로그램 - 양화영.pptx
+++ b/포트폴리오/C#/날씨 확인 프로그램/기온별 옷차림 추천 프로그램 - 양화영.pptx
@@ -15,7 +15,8 @@
     <p:sldId id="271" r:id="rId9"/>
     <p:sldId id="270" r:id="rId10"/>
     <p:sldId id="259" r:id="rId11"/>
-    <p:sldId id="263" r:id="rId12"/>
+    <p:sldId id="276" r:id="rId12"/>
+    <p:sldId id="263" r:id="rId13"/>
   </p:sldIdLst>
   <p:sldSz cx="12192000" cy="6858000"/>
   <p:notesSz cx="6858000" cy="9144000"/>
@@ -116,7 +117,7 @@
   </p:defaultTextStyle>
   <p:extLst>
     <p:ext uri="{EFAFB233-063F-42B5-8137-9DF3F51BA10A}">
-      <p15:sldGuideLst xmlns:p15="http://schemas.microsoft.com/office/powerpoint/2012/main" xmlns="">
+      <p15:sldGuideLst xmlns:p15="http://schemas.microsoft.com/office/powerpoint/2012/main">
         <p15:guide id="1" orient="horz" pos="2160" userDrawn="1">
           <p15:clr>
             <a:srgbClr val="A4A3A4"/>
@@ -155,7 +156,7 @@
           <p:cNvPr id="2" name="제목 1">
             <a:extLst>
               <a:ext uri="{FF2B5EF4-FFF2-40B4-BE49-F238E27FC236}">
-                <a16:creationId xmlns:a16="http://schemas.microsoft.com/office/drawing/2014/main" xmlns="" id="{22112318-F619-4488-8B6E-2F5F2426A69A}"/>
+                <a16:creationId xmlns:a16="http://schemas.microsoft.com/office/drawing/2014/main" id="{22112318-F619-4488-8B6E-2F5F2426A69A}"/>
               </a:ext>
             </a:extLst>
           </p:cNvPr>
@@ -192,7 +193,7 @@
           <p:cNvPr id="3" name="부제목 2">
             <a:extLst>
               <a:ext uri="{FF2B5EF4-FFF2-40B4-BE49-F238E27FC236}">
-                <a16:creationId xmlns:a16="http://schemas.microsoft.com/office/drawing/2014/main" xmlns="" id="{E8BEE6BB-9A5F-4E9F-9F1C-6D46BE01A313}"/>
+                <a16:creationId xmlns:a16="http://schemas.microsoft.com/office/drawing/2014/main" id="{E8BEE6BB-9A5F-4E9F-9F1C-6D46BE01A313}"/>
               </a:ext>
             </a:extLst>
           </p:cNvPr>
@@ -262,7 +263,7 @@
           <p:cNvPr id="4" name="날짜 개체 틀 3">
             <a:extLst>
               <a:ext uri="{FF2B5EF4-FFF2-40B4-BE49-F238E27FC236}">
-                <a16:creationId xmlns:a16="http://schemas.microsoft.com/office/drawing/2014/main" xmlns="" id="{D2D9A51D-A948-4CB8-A9EB-5A26520C8EF0}"/>
+                <a16:creationId xmlns:a16="http://schemas.microsoft.com/office/drawing/2014/main" id="{D2D9A51D-A948-4CB8-A9EB-5A26520C8EF0}"/>
               </a:ext>
             </a:extLst>
           </p:cNvPr>
@@ -287,7 +288,7 @@
                 </a:solidFill>
               </a:rPr>
               <a:pPr/>
-              <a:t>2021-05-13</a:t>
+              <a:t>2021-05-14</a:t>
             </a:fld>
             <a:endParaRPr lang="ko-KR" altLang="en-US">
               <a:solidFill>
@@ -304,7 +305,7 @@
           <p:cNvPr id="5" name="바닥글 개체 틀 4">
             <a:extLst>
               <a:ext uri="{FF2B5EF4-FFF2-40B4-BE49-F238E27FC236}">
-                <a16:creationId xmlns:a16="http://schemas.microsoft.com/office/drawing/2014/main" xmlns="" id="{84374BBD-0B82-4658-B13D-088F0E4D078E}"/>
+                <a16:creationId xmlns:a16="http://schemas.microsoft.com/office/drawing/2014/main" id="{84374BBD-0B82-4658-B13D-088F0E4D078E}"/>
               </a:ext>
             </a:extLst>
           </p:cNvPr>
@@ -335,7 +336,7 @@
           <p:cNvPr id="6" name="슬라이드 번호 개체 틀 5">
             <a:extLst>
               <a:ext uri="{FF2B5EF4-FFF2-40B4-BE49-F238E27FC236}">
-                <a16:creationId xmlns:a16="http://schemas.microsoft.com/office/drawing/2014/main" xmlns="" id="{AB1AAA67-696A-4836-A10B-FF164C3AF889}"/>
+                <a16:creationId xmlns:a16="http://schemas.microsoft.com/office/drawing/2014/main" id="{AB1AAA67-696A-4836-A10B-FF164C3AF889}"/>
               </a:ext>
             </a:extLst>
           </p:cNvPr>
@@ -407,7 +408,7 @@
           <p:cNvPr id="2" name="제목 1">
             <a:extLst>
               <a:ext uri="{FF2B5EF4-FFF2-40B4-BE49-F238E27FC236}">
-                <a16:creationId xmlns:a16="http://schemas.microsoft.com/office/drawing/2014/main" xmlns="" id="{3C43AEE1-28CA-46D2-81F5-CD34E4F9E583}"/>
+                <a16:creationId xmlns:a16="http://schemas.microsoft.com/office/drawing/2014/main" id="{3C43AEE1-28CA-46D2-81F5-CD34E4F9E583}"/>
               </a:ext>
             </a:extLst>
           </p:cNvPr>
@@ -435,7 +436,7 @@
           <p:cNvPr id="3" name="세로 텍스트 개체 틀 2">
             <a:extLst>
               <a:ext uri="{FF2B5EF4-FFF2-40B4-BE49-F238E27FC236}">
-                <a16:creationId xmlns:a16="http://schemas.microsoft.com/office/drawing/2014/main" xmlns="" id="{C738FEC2-4BF0-4A45-9297-EE9B2E45E5CC}"/>
+                <a16:creationId xmlns:a16="http://schemas.microsoft.com/office/drawing/2014/main" id="{C738FEC2-4BF0-4A45-9297-EE9B2E45E5CC}"/>
               </a:ext>
             </a:extLst>
           </p:cNvPr>
@@ -492,7 +493,7 @@
           <p:cNvPr id="4" name="날짜 개체 틀 3">
             <a:extLst>
               <a:ext uri="{FF2B5EF4-FFF2-40B4-BE49-F238E27FC236}">
-                <a16:creationId xmlns:a16="http://schemas.microsoft.com/office/drawing/2014/main" xmlns="" id="{2BEDBAD0-D342-4544-94B8-122B3BDBF705}"/>
+                <a16:creationId xmlns:a16="http://schemas.microsoft.com/office/drawing/2014/main" id="{2BEDBAD0-D342-4544-94B8-122B3BDBF705}"/>
               </a:ext>
             </a:extLst>
           </p:cNvPr>
@@ -517,7 +518,7 @@
                 </a:solidFill>
               </a:rPr>
               <a:pPr/>
-              <a:t>2021-05-13</a:t>
+              <a:t>2021-05-14</a:t>
             </a:fld>
             <a:endParaRPr lang="ko-KR" altLang="en-US">
               <a:solidFill>
@@ -534,7 +535,7 @@
           <p:cNvPr id="5" name="바닥글 개체 틀 4">
             <a:extLst>
               <a:ext uri="{FF2B5EF4-FFF2-40B4-BE49-F238E27FC236}">
-                <a16:creationId xmlns:a16="http://schemas.microsoft.com/office/drawing/2014/main" xmlns="" id="{1D70FE0D-ACBA-4806-9F35-4EB786E865FE}"/>
+                <a16:creationId xmlns:a16="http://schemas.microsoft.com/office/drawing/2014/main" id="{1D70FE0D-ACBA-4806-9F35-4EB786E865FE}"/>
               </a:ext>
             </a:extLst>
           </p:cNvPr>
@@ -565,7 +566,7 @@
           <p:cNvPr id="6" name="슬라이드 번호 개체 틀 5">
             <a:extLst>
               <a:ext uri="{FF2B5EF4-FFF2-40B4-BE49-F238E27FC236}">
-                <a16:creationId xmlns:a16="http://schemas.microsoft.com/office/drawing/2014/main" xmlns="" id="{A7F3119A-4AE1-408F-B8AD-4428B0060B24}"/>
+                <a16:creationId xmlns:a16="http://schemas.microsoft.com/office/drawing/2014/main" id="{A7F3119A-4AE1-408F-B8AD-4428B0060B24}"/>
               </a:ext>
             </a:extLst>
           </p:cNvPr>
@@ -637,7 +638,7 @@
           <p:cNvPr id="2" name="세로 제목 1">
             <a:extLst>
               <a:ext uri="{FF2B5EF4-FFF2-40B4-BE49-F238E27FC236}">
-                <a16:creationId xmlns:a16="http://schemas.microsoft.com/office/drawing/2014/main" xmlns="" id="{F0B3D2AB-E650-41C2-B6FB-5398A5C19680}"/>
+                <a16:creationId xmlns:a16="http://schemas.microsoft.com/office/drawing/2014/main" id="{F0B3D2AB-E650-41C2-B6FB-5398A5C19680}"/>
               </a:ext>
             </a:extLst>
           </p:cNvPr>
@@ -670,7 +671,7 @@
           <p:cNvPr id="3" name="세로 텍스트 개체 틀 2">
             <a:extLst>
               <a:ext uri="{FF2B5EF4-FFF2-40B4-BE49-F238E27FC236}">
-                <a16:creationId xmlns:a16="http://schemas.microsoft.com/office/drawing/2014/main" xmlns="" id="{992D6516-8F93-4221-97F7-E01D89EE517D}"/>
+                <a16:creationId xmlns:a16="http://schemas.microsoft.com/office/drawing/2014/main" id="{992D6516-8F93-4221-97F7-E01D89EE517D}"/>
               </a:ext>
             </a:extLst>
           </p:cNvPr>
@@ -732,7 +733,7 @@
           <p:cNvPr id="4" name="날짜 개체 틀 3">
             <a:extLst>
               <a:ext uri="{FF2B5EF4-FFF2-40B4-BE49-F238E27FC236}">
-                <a16:creationId xmlns:a16="http://schemas.microsoft.com/office/drawing/2014/main" xmlns="" id="{8D86CB26-A349-496A-B48B-A7B891172236}"/>
+                <a16:creationId xmlns:a16="http://schemas.microsoft.com/office/drawing/2014/main" id="{8D86CB26-A349-496A-B48B-A7B891172236}"/>
               </a:ext>
             </a:extLst>
           </p:cNvPr>
@@ -757,7 +758,7 @@
                 </a:solidFill>
               </a:rPr>
               <a:pPr/>
-              <a:t>2021-05-13</a:t>
+              <a:t>2021-05-14</a:t>
             </a:fld>
             <a:endParaRPr lang="ko-KR" altLang="en-US">
               <a:solidFill>
@@ -774,7 +775,7 @@
           <p:cNvPr id="5" name="바닥글 개체 틀 4">
             <a:extLst>
               <a:ext uri="{FF2B5EF4-FFF2-40B4-BE49-F238E27FC236}">
-                <a16:creationId xmlns:a16="http://schemas.microsoft.com/office/drawing/2014/main" xmlns="" id="{C2E726FD-A739-41D5-96BA-4670363928CF}"/>
+                <a16:creationId xmlns:a16="http://schemas.microsoft.com/office/drawing/2014/main" id="{C2E726FD-A739-41D5-96BA-4670363928CF}"/>
               </a:ext>
             </a:extLst>
           </p:cNvPr>
@@ -805,7 +806,7 @@
           <p:cNvPr id="6" name="슬라이드 번호 개체 틀 5">
             <a:extLst>
               <a:ext uri="{FF2B5EF4-FFF2-40B4-BE49-F238E27FC236}">
-                <a16:creationId xmlns:a16="http://schemas.microsoft.com/office/drawing/2014/main" xmlns="" id="{60FAE18D-FED5-4070-8B76-811D76CCECC9}"/>
+                <a16:creationId xmlns:a16="http://schemas.microsoft.com/office/drawing/2014/main" id="{60FAE18D-FED5-4070-8B76-811D76CCECC9}"/>
               </a:ext>
             </a:extLst>
           </p:cNvPr>
@@ -877,7 +878,7 @@
           <p:cNvPr id="2" name="제목 1">
             <a:extLst>
               <a:ext uri="{FF2B5EF4-FFF2-40B4-BE49-F238E27FC236}">
-                <a16:creationId xmlns:a16="http://schemas.microsoft.com/office/drawing/2014/main" xmlns="" id="{5CC6958D-28E5-4CC8-8C48-52A02A1BC426}"/>
+                <a16:creationId xmlns:a16="http://schemas.microsoft.com/office/drawing/2014/main" id="{5CC6958D-28E5-4CC8-8C48-52A02A1BC426}"/>
               </a:ext>
             </a:extLst>
           </p:cNvPr>
@@ -905,7 +906,7 @@
           <p:cNvPr id="3" name="내용 개체 틀 2">
             <a:extLst>
               <a:ext uri="{FF2B5EF4-FFF2-40B4-BE49-F238E27FC236}">
-                <a16:creationId xmlns:a16="http://schemas.microsoft.com/office/drawing/2014/main" xmlns="" id="{E8E03031-827B-4AC7-B564-384C16177476}"/>
+                <a16:creationId xmlns:a16="http://schemas.microsoft.com/office/drawing/2014/main" id="{E8E03031-827B-4AC7-B564-384C16177476}"/>
               </a:ext>
             </a:extLst>
           </p:cNvPr>
@@ -962,7 +963,7 @@
           <p:cNvPr id="4" name="날짜 개체 틀 3">
             <a:extLst>
               <a:ext uri="{FF2B5EF4-FFF2-40B4-BE49-F238E27FC236}">
-                <a16:creationId xmlns:a16="http://schemas.microsoft.com/office/drawing/2014/main" xmlns="" id="{11C19838-69C9-49EB-9B51-549106E9B8DE}"/>
+                <a16:creationId xmlns:a16="http://schemas.microsoft.com/office/drawing/2014/main" id="{11C19838-69C9-49EB-9B51-549106E9B8DE}"/>
               </a:ext>
             </a:extLst>
           </p:cNvPr>
@@ -987,7 +988,7 @@
                 </a:solidFill>
               </a:rPr>
               <a:pPr/>
-              <a:t>2021-05-13</a:t>
+              <a:t>2021-05-14</a:t>
             </a:fld>
             <a:endParaRPr lang="ko-KR" altLang="en-US">
               <a:solidFill>
@@ -1004,7 +1005,7 @@
           <p:cNvPr id="5" name="바닥글 개체 틀 4">
             <a:extLst>
               <a:ext uri="{FF2B5EF4-FFF2-40B4-BE49-F238E27FC236}">
-                <a16:creationId xmlns:a16="http://schemas.microsoft.com/office/drawing/2014/main" xmlns="" id="{3C26852C-90C9-4502-A697-363CF824CFD0}"/>
+                <a16:creationId xmlns:a16="http://schemas.microsoft.com/office/drawing/2014/main" id="{3C26852C-90C9-4502-A697-363CF824CFD0}"/>
               </a:ext>
             </a:extLst>
           </p:cNvPr>
@@ -1035,7 +1036,7 @@
           <p:cNvPr id="6" name="슬라이드 번호 개체 틀 5">
             <a:extLst>
               <a:ext uri="{FF2B5EF4-FFF2-40B4-BE49-F238E27FC236}">
-                <a16:creationId xmlns:a16="http://schemas.microsoft.com/office/drawing/2014/main" xmlns="" id="{DF7509D0-CCBD-406A-9D4E-6845657BBAED}"/>
+                <a16:creationId xmlns:a16="http://schemas.microsoft.com/office/drawing/2014/main" id="{DF7509D0-CCBD-406A-9D4E-6845657BBAED}"/>
               </a:ext>
             </a:extLst>
           </p:cNvPr>
@@ -1107,7 +1108,7 @@
           <p:cNvPr id="2" name="제목 1">
             <a:extLst>
               <a:ext uri="{FF2B5EF4-FFF2-40B4-BE49-F238E27FC236}">
-                <a16:creationId xmlns:a16="http://schemas.microsoft.com/office/drawing/2014/main" xmlns="" id="{6CEF73EF-188B-4B17-B08F-D30E80C308D0}"/>
+                <a16:creationId xmlns:a16="http://schemas.microsoft.com/office/drawing/2014/main" id="{6CEF73EF-188B-4B17-B08F-D30E80C308D0}"/>
               </a:ext>
             </a:extLst>
           </p:cNvPr>
@@ -1144,7 +1145,7 @@
           <p:cNvPr id="3" name="텍스트 개체 틀 2">
             <a:extLst>
               <a:ext uri="{FF2B5EF4-FFF2-40B4-BE49-F238E27FC236}">
-                <a16:creationId xmlns:a16="http://schemas.microsoft.com/office/drawing/2014/main" xmlns="" id="{DD7DD2CA-F9BF-47A8-9D27-757556FD1CEE}"/>
+                <a16:creationId xmlns:a16="http://schemas.microsoft.com/office/drawing/2014/main" id="{DD7DD2CA-F9BF-47A8-9D27-757556FD1CEE}"/>
               </a:ext>
             </a:extLst>
           </p:cNvPr>
@@ -1269,7 +1270,7 @@
           <p:cNvPr id="4" name="날짜 개체 틀 3">
             <a:extLst>
               <a:ext uri="{FF2B5EF4-FFF2-40B4-BE49-F238E27FC236}">
-                <a16:creationId xmlns:a16="http://schemas.microsoft.com/office/drawing/2014/main" xmlns="" id="{DE78A1FB-ABBF-480D-AC6C-9BB1AEF9789B}"/>
+                <a16:creationId xmlns:a16="http://schemas.microsoft.com/office/drawing/2014/main" id="{DE78A1FB-ABBF-480D-AC6C-9BB1AEF9789B}"/>
               </a:ext>
             </a:extLst>
           </p:cNvPr>
@@ -1294,7 +1295,7 @@
                 </a:solidFill>
               </a:rPr>
               <a:pPr/>
-              <a:t>2021-05-13</a:t>
+              <a:t>2021-05-14</a:t>
             </a:fld>
             <a:endParaRPr lang="ko-KR" altLang="en-US">
               <a:solidFill>
@@ -1311,7 +1312,7 @@
           <p:cNvPr id="5" name="바닥글 개체 틀 4">
             <a:extLst>
               <a:ext uri="{FF2B5EF4-FFF2-40B4-BE49-F238E27FC236}">
-                <a16:creationId xmlns:a16="http://schemas.microsoft.com/office/drawing/2014/main" xmlns="" id="{6384247E-1D11-4A19-BDDF-E157A205B45F}"/>
+                <a16:creationId xmlns:a16="http://schemas.microsoft.com/office/drawing/2014/main" id="{6384247E-1D11-4A19-BDDF-E157A205B45F}"/>
               </a:ext>
             </a:extLst>
           </p:cNvPr>
@@ -1342,7 +1343,7 @@
           <p:cNvPr id="6" name="슬라이드 번호 개체 틀 5">
             <a:extLst>
               <a:ext uri="{FF2B5EF4-FFF2-40B4-BE49-F238E27FC236}">
-                <a16:creationId xmlns:a16="http://schemas.microsoft.com/office/drawing/2014/main" xmlns="" id="{124EC815-B6FC-4BDE-910C-F8015ED4AD75}"/>
+                <a16:creationId xmlns:a16="http://schemas.microsoft.com/office/drawing/2014/main" id="{124EC815-B6FC-4BDE-910C-F8015ED4AD75}"/>
               </a:ext>
             </a:extLst>
           </p:cNvPr>
@@ -1414,7 +1415,7 @@
           <p:cNvPr id="2" name="제목 1">
             <a:extLst>
               <a:ext uri="{FF2B5EF4-FFF2-40B4-BE49-F238E27FC236}">
-                <a16:creationId xmlns:a16="http://schemas.microsoft.com/office/drawing/2014/main" xmlns="" id="{B4DAEB91-29AA-4ACC-BDCF-960470FCA5A1}"/>
+                <a16:creationId xmlns:a16="http://schemas.microsoft.com/office/drawing/2014/main" id="{B4DAEB91-29AA-4ACC-BDCF-960470FCA5A1}"/>
               </a:ext>
             </a:extLst>
           </p:cNvPr>
@@ -1442,7 +1443,7 @@
           <p:cNvPr id="3" name="내용 개체 틀 2">
             <a:extLst>
               <a:ext uri="{FF2B5EF4-FFF2-40B4-BE49-F238E27FC236}">
-                <a16:creationId xmlns:a16="http://schemas.microsoft.com/office/drawing/2014/main" xmlns="" id="{256B0E51-7DC0-45B6-8306-D8167F5CB7C8}"/>
+                <a16:creationId xmlns:a16="http://schemas.microsoft.com/office/drawing/2014/main" id="{256B0E51-7DC0-45B6-8306-D8167F5CB7C8}"/>
               </a:ext>
             </a:extLst>
           </p:cNvPr>
@@ -1504,7 +1505,7 @@
           <p:cNvPr id="4" name="내용 개체 틀 3">
             <a:extLst>
               <a:ext uri="{FF2B5EF4-FFF2-40B4-BE49-F238E27FC236}">
-                <a16:creationId xmlns:a16="http://schemas.microsoft.com/office/drawing/2014/main" xmlns="" id="{F7CB78CC-8798-4261-B4B1-60B4C54377A7}"/>
+                <a16:creationId xmlns:a16="http://schemas.microsoft.com/office/drawing/2014/main" id="{F7CB78CC-8798-4261-B4B1-60B4C54377A7}"/>
               </a:ext>
             </a:extLst>
           </p:cNvPr>
@@ -1566,7 +1567,7 @@
           <p:cNvPr id="5" name="날짜 개체 틀 4">
             <a:extLst>
               <a:ext uri="{FF2B5EF4-FFF2-40B4-BE49-F238E27FC236}">
-                <a16:creationId xmlns:a16="http://schemas.microsoft.com/office/drawing/2014/main" xmlns="" id="{79594384-5734-4FC8-928A-E1641354A126}"/>
+                <a16:creationId xmlns:a16="http://schemas.microsoft.com/office/drawing/2014/main" id="{79594384-5734-4FC8-928A-E1641354A126}"/>
               </a:ext>
             </a:extLst>
           </p:cNvPr>
@@ -1591,7 +1592,7 @@
                 </a:solidFill>
               </a:rPr>
               <a:pPr/>
-              <a:t>2021-05-13</a:t>
+              <a:t>2021-05-14</a:t>
             </a:fld>
             <a:endParaRPr lang="ko-KR" altLang="en-US">
               <a:solidFill>
@@ -1608,7 +1609,7 @@
           <p:cNvPr id="6" name="바닥글 개체 틀 5">
             <a:extLst>
               <a:ext uri="{FF2B5EF4-FFF2-40B4-BE49-F238E27FC236}">
-                <a16:creationId xmlns:a16="http://schemas.microsoft.com/office/drawing/2014/main" xmlns="" id="{282301C0-6908-48C0-8957-C8B3F4594C5A}"/>
+                <a16:creationId xmlns:a16="http://schemas.microsoft.com/office/drawing/2014/main" id="{282301C0-6908-48C0-8957-C8B3F4594C5A}"/>
               </a:ext>
             </a:extLst>
           </p:cNvPr>
@@ -1639,7 +1640,7 @@
           <p:cNvPr id="7" name="슬라이드 번호 개체 틀 6">
             <a:extLst>
               <a:ext uri="{FF2B5EF4-FFF2-40B4-BE49-F238E27FC236}">
-                <a16:creationId xmlns:a16="http://schemas.microsoft.com/office/drawing/2014/main" xmlns="" id="{507DD8FE-7741-412F-947D-7A7079F48607}"/>
+                <a16:creationId xmlns:a16="http://schemas.microsoft.com/office/drawing/2014/main" id="{507DD8FE-7741-412F-947D-7A7079F48607}"/>
               </a:ext>
             </a:extLst>
           </p:cNvPr>
@@ -1711,7 +1712,7 @@
           <p:cNvPr id="2" name="제목 1">
             <a:extLst>
               <a:ext uri="{FF2B5EF4-FFF2-40B4-BE49-F238E27FC236}">
-                <a16:creationId xmlns:a16="http://schemas.microsoft.com/office/drawing/2014/main" xmlns="" id="{BBD6DFD1-B640-4CC6-A759-6C7981C5CD61}"/>
+                <a16:creationId xmlns:a16="http://schemas.microsoft.com/office/drawing/2014/main" id="{BBD6DFD1-B640-4CC6-A759-6C7981C5CD61}"/>
               </a:ext>
             </a:extLst>
           </p:cNvPr>
@@ -1744,7 +1745,7 @@
           <p:cNvPr id="3" name="텍스트 개체 틀 2">
             <a:extLst>
               <a:ext uri="{FF2B5EF4-FFF2-40B4-BE49-F238E27FC236}">
-                <a16:creationId xmlns:a16="http://schemas.microsoft.com/office/drawing/2014/main" xmlns="" id="{25B2A237-7572-46BD-9502-829F6C0AD4F8}"/>
+                <a16:creationId xmlns:a16="http://schemas.microsoft.com/office/drawing/2014/main" id="{25B2A237-7572-46BD-9502-829F6C0AD4F8}"/>
               </a:ext>
             </a:extLst>
           </p:cNvPr>
@@ -1815,7 +1816,7 @@
           <p:cNvPr id="4" name="내용 개체 틀 3">
             <a:extLst>
               <a:ext uri="{FF2B5EF4-FFF2-40B4-BE49-F238E27FC236}">
-                <a16:creationId xmlns:a16="http://schemas.microsoft.com/office/drawing/2014/main" xmlns="" id="{81AE9732-B570-4506-BDA6-0AB39D453684}"/>
+                <a16:creationId xmlns:a16="http://schemas.microsoft.com/office/drawing/2014/main" id="{81AE9732-B570-4506-BDA6-0AB39D453684}"/>
               </a:ext>
             </a:extLst>
           </p:cNvPr>
@@ -1877,7 +1878,7 @@
           <p:cNvPr id="5" name="텍스트 개체 틀 4">
             <a:extLst>
               <a:ext uri="{FF2B5EF4-FFF2-40B4-BE49-F238E27FC236}">
-                <a16:creationId xmlns:a16="http://schemas.microsoft.com/office/drawing/2014/main" xmlns="" id="{A289407D-7DA6-4293-A426-38DF9B21160E}"/>
+                <a16:creationId xmlns:a16="http://schemas.microsoft.com/office/drawing/2014/main" id="{A289407D-7DA6-4293-A426-38DF9B21160E}"/>
               </a:ext>
             </a:extLst>
           </p:cNvPr>
@@ -1948,7 +1949,7 @@
           <p:cNvPr id="6" name="내용 개체 틀 5">
             <a:extLst>
               <a:ext uri="{FF2B5EF4-FFF2-40B4-BE49-F238E27FC236}">
-                <a16:creationId xmlns:a16="http://schemas.microsoft.com/office/drawing/2014/main" xmlns="" id="{F239549F-370A-4671-B1BB-79655CC6CB8C}"/>
+                <a16:creationId xmlns:a16="http://schemas.microsoft.com/office/drawing/2014/main" id="{F239549F-370A-4671-B1BB-79655CC6CB8C}"/>
               </a:ext>
             </a:extLst>
           </p:cNvPr>
@@ -2010,7 +2011,7 @@
           <p:cNvPr id="7" name="날짜 개체 틀 6">
             <a:extLst>
               <a:ext uri="{FF2B5EF4-FFF2-40B4-BE49-F238E27FC236}">
-                <a16:creationId xmlns:a16="http://schemas.microsoft.com/office/drawing/2014/main" xmlns="" id="{A86D9E62-97AA-41F8-B69B-6CD691CF0E2A}"/>
+                <a16:creationId xmlns:a16="http://schemas.microsoft.com/office/drawing/2014/main" id="{A86D9E62-97AA-41F8-B69B-6CD691CF0E2A}"/>
               </a:ext>
             </a:extLst>
           </p:cNvPr>
@@ -2035,7 +2036,7 @@
                 </a:solidFill>
               </a:rPr>
               <a:pPr/>
-              <a:t>2021-05-13</a:t>
+              <a:t>2021-05-14</a:t>
             </a:fld>
             <a:endParaRPr lang="ko-KR" altLang="en-US">
               <a:solidFill>
@@ -2052,7 +2053,7 @@
           <p:cNvPr id="8" name="바닥글 개체 틀 7">
             <a:extLst>
               <a:ext uri="{FF2B5EF4-FFF2-40B4-BE49-F238E27FC236}">
-                <a16:creationId xmlns:a16="http://schemas.microsoft.com/office/drawing/2014/main" xmlns="" id="{F41D3FC0-561B-4DE4-AA99-9DB56EC6B344}"/>
+                <a16:creationId xmlns:a16="http://schemas.microsoft.com/office/drawing/2014/main" id="{F41D3FC0-561B-4DE4-AA99-9DB56EC6B344}"/>
               </a:ext>
             </a:extLst>
           </p:cNvPr>
@@ -2083,7 +2084,7 @@
           <p:cNvPr id="9" name="슬라이드 번호 개체 틀 8">
             <a:extLst>
               <a:ext uri="{FF2B5EF4-FFF2-40B4-BE49-F238E27FC236}">
-                <a16:creationId xmlns:a16="http://schemas.microsoft.com/office/drawing/2014/main" xmlns="" id="{AD0040F2-99C5-450C-9966-5D00290EBF69}"/>
+                <a16:creationId xmlns:a16="http://schemas.microsoft.com/office/drawing/2014/main" id="{AD0040F2-99C5-450C-9966-5D00290EBF69}"/>
               </a:ext>
             </a:extLst>
           </p:cNvPr>
@@ -2155,7 +2156,7 @@
           <p:cNvPr id="2" name="제목 1">
             <a:extLst>
               <a:ext uri="{FF2B5EF4-FFF2-40B4-BE49-F238E27FC236}">
-                <a16:creationId xmlns:a16="http://schemas.microsoft.com/office/drawing/2014/main" xmlns="" id="{C6E337C1-8281-4F6E-9A31-EBE388C3C82F}"/>
+                <a16:creationId xmlns:a16="http://schemas.microsoft.com/office/drawing/2014/main" id="{C6E337C1-8281-4F6E-9A31-EBE388C3C82F}"/>
               </a:ext>
             </a:extLst>
           </p:cNvPr>
@@ -2183,7 +2184,7 @@
           <p:cNvPr id="3" name="날짜 개체 틀 2">
             <a:extLst>
               <a:ext uri="{FF2B5EF4-FFF2-40B4-BE49-F238E27FC236}">
-                <a16:creationId xmlns:a16="http://schemas.microsoft.com/office/drawing/2014/main" xmlns="" id="{00EA4B32-9135-4223-8DE6-887D2743405B}"/>
+                <a16:creationId xmlns:a16="http://schemas.microsoft.com/office/drawing/2014/main" id="{00EA4B32-9135-4223-8DE6-887D2743405B}"/>
               </a:ext>
             </a:extLst>
           </p:cNvPr>
@@ -2208,7 +2209,7 @@
                 </a:solidFill>
               </a:rPr>
               <a:pPr/>
-              <a:t>2021-05-13</a:t>
+              <a:t>2021-05-14</a:t>
             </a:fld>
             <a:endParaRPr lang="ko-KR" altLang="en-US">
               <a:solidFill>
@@ -2225,7 +2226,7 @@
           <p:cNvPr id="4" name="바닥글 개체 틀 3">
             <a:extLst>
               <a:ext uri="{FF2B5EF4-FFF2-40B4-BE49-F238E27FC236}">
-                <a16:creationId xmlns:a16="http://schemas.microsoft.com/office/drawing/2014/main" xmlns="" id="{9407FC83-8D70-48DB-8681-08CFD9C0DA58}"/>
+                <a16:creationId xmlns:a16="http://schemas.microsoft.com/office/drawing/2014/main" id="{9407FC83-8D70-48DB-8681-08CFD9C0DA58}"/>
               </a:ext>
             </a:extLst>
           </p:cNvPr>
@@ -2256,7 +2257,7 @@
           <p:cNvPr id="5" name="슬라이드 번호 개체 틀 4">
             <a:extLst>
               <a:ext uri="{FF2B5EF4-FFF2-40B4-BE49-F238E27FC236}">
-                <a16:creationId xmlns:a16="http://schemas.microsoft.com/office/drawing/2014/main" xmlns="" id="{A8FC15EC-BCCB-4B82-A94C-FABC63DF674F}"/>
+                <a16:creationId xmlns:a16="http://schemas.microsoft.com/office/drawing/2014/main" id="{A8FC15EC-BCCB-4B82-A94C-FABC63DF674F}"/>
               </a:ext>
             </a:extLst>
           </p:cNvPr>
@@ -2328,7 +2329,7 @@
           <p:cNvPr id="2" name="날짜 개체 틀 1">
             <a:extLst>
               <a:ext uri="{FF2B5EF4-FFF2-40B4-BE49-F238E27FC236}">
-                <a16:creationId xmlns:a16="http://schemas.microsoft.com/office/drawing/2014/main" xmlns="" id="{2B9F9692-5462-4439-80C8-B7E337FC9AC3}"/>
+                <a16:creationId xmlns:a16="http://schemas.microsoft.com/office/drawing/2014/main" id="{2B9F9692-5462-4439-80C8-B7E337FC9AC3}"/>
               </a:ext>
             </a:extLst>
           </p:cNvPr>
@@ -2353,7 +2354,7 @@
                 </a:solidFill>
               </a:rPr>
               <a:pPr/>
-              <a:t>2021-05-13</a:t>
+              <a:t>2021-05-14</a:t>
             </a:fld>
             <a:endParaRPr lang="ko-KR" altLang="en-US">
               <a:solidFill>
@@ -2370,7 +2371,7 @@
           <p:cNvPr id="3" name="바닥글 개체 틀 2">
             <a:extLst>
               <a:ext uri="{FF2B5EF4-FFF2-40B4-BE49-F238E27FC236}">
-                <a16:creationId xmlns:a16="http://schemas.microsoft.com/office/drawing/2014/main" xmlns="" id="{94CA042D-EBC0-437C-A819-521611A545F2}"/>
+                <a16:creationId xmlns:a16="http://schemas.microsoft.com/office/drawing/2014/main" id="{94CA042D-EBC0-437C-A819-521611A545F2}"/>
               </a:ext>
             </a:extLst>
           </p:cNvPr>
@@ -2401,7 +2402,7 @@
           <p:cNvPr id="4" name="슬라이드 번호 개체 틀 3">
             <a:extLst>
               <a:ext uri="{FF2B5EF4-FFF2-40B4-BE49-F238E27FC236}">
-                <a16:creationId xmlns:a16="http://schemas.microsoft.com/office/drawing/2014/main" xmlns="" id="{A2415CDA-0D1F-49BD-8381-21C3BEFD5A98}"/>
+                <a16:creationId xmlns:a16="http://schemas.microsoft.com/office/drawing/2014/main" id="{A2415CDA-0D1F-49BD-8381-21C3BEFD5A98}"/>
               </a:ext>
             </a:extLst>
           </p:cNvPr>
@@ -2473,7 +2474,7 @@
           <p:cNvPr id="2" name="제목 1">
             <a:extLst>
               <a:ext uri="{FF2B5EF4-FFF2-40B4-BE49-F238E27FC236}">
-                <a16:creationId xmlns:a16="http://schemas.microsoft.com/office/drawing/2014/main" xmlns="" id="{2A6F10D4-8D29-48C2-ADF0-92316E2C8E4E}"/>
+                <a16:creationId xmlns:a16="http://schemas.microsoft.com/office/drawing/2014/main" id="{2A6F10D4-8D29-48C2-ADF0-92316E2C8E4E}"/>
               </a:ext>
             </a:extLst>
           </p:cNvPr>
@@ -2510,7 +2511,7 @@
           <p:cNvPr id="3" name="내용 개체 틀 2">
             <a:extLst>
               <a:ext uri="{FF2B5EF4-FFF2-40B4-BE49-F238E27FC236}">
-                <a16:creationId xmlns:a16="http://schemas.microsoft.com/office/drawing/2014/main" xmlns="" id="{BBBA3CD3-DE79-4260-873A-FEDE5C678F80}"/>
+                <a16:creationId xmlns:a16="http://schemas.microsoft.com/office/drawing/2014/main" id="{BBBA3CD3-DE79-4260-873A-FEDE5C678F80}"/>
               </a:ext>
             </a:extLst>
           </p:cNvPr>
@@ -2600,7 +2601,7 @@
           <p:cNvPr id="4" name="텍스트 개체 틀 3">
             <a:extLst>
               <a:ext uri="{FF2B5EF4-FFF2-40B4-BE49-F238E27FC236}">
-                <a16:creationId xmlns:a16="http://schemas.microsoft.com/office/drawing/2014/main" xmlns="" id="{319C6BD2-52A1-4155-9D55-1D847772EA8C}"/>
+                <a16:creationId xmlns:a16="http://schemas.microsoft.com/office/drawing/2014/main" id="{319C6BD2-52A1-4155-9D55-1D847772EA8C}"/>
               </a:ext>
             </a:extLst>
           </p:cNvPr>
@@ -2671,7 +2672,7 @@
           <p:cNvPr id="5" name="날짜 개체 틀 4">
             <a:extLst>
               <a:ext uri="{FF2B5EF4-FFF2-40B4-BE49-F238E27FC236}">
-                <a16:creationId xmlns:a16="http://schemas.microsoft.com/office/drawing/2014/main" xmlns="" id="{982A3511-0B13-4D97-937C-07365FBADAEA}"/>
+                <a16:creationId xmlns:a16="http://schemas.microsoft.com/office/drawing/2014/main" id="{982A3511-0B13-4D97-937C-07365FBADAEA}"/>
               </a:ext>
             </a:extLst>
           </p:cNvPr>
@@ -2696,7 +2697,7 @@
                 </a:solidFill>
               </a:rPr>
               <a:pPr/>
-              <a:t>2021-05-13</a:t>
+              <a:t>2021-05-14</a:t>
             </a:fld>
             <a:endParaRPr lang="ko-KR" altLang="en-US">
               <a:solidFill>
@@ -2713,7 +2714,7 @@
           <p:cNvPr id="6" name="바닥글 개체 틀 5">
             <a:extLst>
               <a:ext uri="{FF2B5EF4-FFF2-40B4-BE49-F238E27FC236}">
-                <a16:creationId xmlns:a16="http://schemas.microsoft.com/office/drawing/2014/main" xmlns="" id="{54C805B4-20AF-4A3C-B131-E1D9FFBB024D}"/>
+                <a16:creationId xmlns:a16="http://schemas.microsoft.com/office/drawing/2014/main" id="{54C805B4-20AF-4A3C-B131-E1D9FFBB024D}"/>
               </a:ext>
             </a:extLst>
           </p:cNvPr>
@@ -2744,7 +2745,7 @@
           <p:cNvPr id="7" name="슬라이드 번호 개체 틀 6">
             <a:extLst>
               <a:ext uri="{FF2B5EF4-FFF2-40B4-BE49-F238E27FC236}">
-                <a16:creationId xmlns:a16="http://schemas.microsoft.com/office/drawing/2014/main" xmlns="" id="{89C705FC-2895-472A-B6FD-C2434624BB3B}"/>
+                <a16:creationId xmlns:a16="http://schemas.microsoft.com/office/drawing/2014/main" id="{89C705FC-2895-472A-B6FD-C2434624BB3B}"/>
               </a:ext>
             </a:extLst>
           </p:cNvPr>
@@ -2816,7 +2817,7 @@
           <p:cNvPr id="2" name="제목 1">
             <a:extLst>
               <a:ext uri="{FF2B5EF4-FFF2-40B4-BE49-F238E27FC236}">
-                <a16:creationId xmlns:a16="http://schemas.microsoft.com/office/drawing/2014/main" xmlns="" id="{4C00D820-915B-4802-8C2E-FF7CA967E012}"/>
+                <a16:creationId xmlns:a16="http://schemas.microsoft.com/office/drawing/2014/main" id="{4C00D820-915B-4802-8C2E-FF7CA967E012}"/>
               </a:ext>
             </a:extLst>
           </p:cNvPr>
@@ -2853,7 +2854,7 @@
           <p:cNvPr id="3" name="그림 개체 틀 2">
             <a:extLst>
               <a:ext uri="{FF2B5EF4-FFF2-40B4-BE49-F238E27FC236}">
-                <a16:creationId xmlns:a16="http://schemas.microsoft.com/office/drawing/2014/main" xmlns="" id="{10CF9849-20D0-417A-99C8-099DF39939AC}"/>
+                <a16:creationId xmlns:a16="http://schemas.microsoft.com/office/drawing/2014/main" id="{10CF9849-20D0-417A-99C8-099DF39939AC}"/>
               </a:ext>
             </a:extLst>
           </p:cNvPr>
@@ -2920,7 +2921,7 @@
           <p:cNvPr id="4" name="텍스트 개체 틀 3">
             <a:extLst>
               <a:ext uri="{FF2B5EF4-FFF2-40B4-BE49-F238E27FC236}">
-                <a16:creationId xmlns:a16="http://schemas.microsoft.com/office/drawing/2014/main" xmlns="" id="{144A7754-54E7-4123-8C5E-1B05B517B5D4}"/>
+                <a16:creationId xmlns:a16="http://schemas.microsoft.com/office/drawing/2014/main" id="{144A7754-54E7-4123-8C5E-1B05B517B5D4}"/>
               </a:ext>
             </a:extLst>
           </p:cNvPr>
@@ -2991,7 +2992,7 @@
           <p:cNvPr id="5" name="날짜 개체 틀 4">
             <a:extLst>
               <a:ext uri="{FF2B5EF4-FFF2-40B4-BE49-F238E27FC236}">
-                <a16:creationId xmlns:a16="http://schemas.microsoft.com/office/drawing/2014/main" xmlns="" id="{3AFFF3F1-9632-4E06-BAB7-312343416AE9}"/>
+                <a16:creationId xmlns:a16="http://schemas.microsoft.com/office/drawing/2014/main" id="{3AFFF3F1-9632-4E06-BAB7-312343416AE9}"/>
               </a:ext>
             </a:extLst>
           </p:cNvPr>
@@ -3016,7 +3017,7 @@
                 </a:solidFill>
               </a:rPr>
               <a:pPr/>
-              <a:t>2021-05-13</a:t>
+              <a:t>2021-05-14</a:t>
             </a:fld>
             <a:endParaRPr lang="ko-KR" altLang="en-US">
               <a:solidFill>
@@ -3033,7 +3034,7 @@
           <p:cNvPr id="6" name="바닥글 개체 틀 5">
             <a:extLst>
               <a:ext uri="{FF2B5EF4-FFF2-40B4-BE49-F238E27FC236}">
-                <a16:creationId xmlns:a16="http://schemas.microsoft.com/office/drawing/2014/main" xmlns="" id="{5F23D6B1-934F-4B4D-9E4F-5AE9E873CB6E}"/>
+                <a16:creationId xmlns:a16="http://schemas.microsoft.com/office/drawing/2014/main" id="{5F23D6B1-934F-4B4D-9E4F-5AE9E873CB6E}"/>
               </a:ext>
             </a:extLst>
           </p:cNvPr>
@@ -3064,7 +3065,7 @@
           <p:cNvPr id="7" name="슬라이드 번호 개체 틀 6">
             <a:extLst>
               <a:ext uri="{FF2B5EF4-FFF2-40B4-BE49-F238E27FC236}">
-                <a16:creationId xmlns:a16="http://schemas.microsoft.com/office/drawing/2014/main" xmlns="" id="{B157FDD5-2092-4E16-8E7C-1CCA4719CF8A}"/>
+                <a16:creationId xmlns:a16="http://schemas.microsoft.com/office/drawing/2014/main" id="{B157FDD5-2092-4E16-8E7C-1CCA4719CF8A}"/>
               </a:ext>
             </a:extLst>
           </p:cNvPr>
@@ -3141,7 +3142,7 @@
           <p:cNvPr id="2" name="제목 개체 틀 1">
             <a:extLst>
               <a:ext uri="{FF2B5EF4-FFF2-40B4-BE49-F238E27FC236}">
-                <a16:creationId xmlns:a16="http://schemas.microsoft.com/office/drawing/2014/main" xmlns="" id="{84C8B562-0886-4274-876D-59EFAAAE2F3B}"/>
+                <a16:creationId xmlns:a16="http://schemas.microsoft.com/office/drawing/2014/main" id="{84C8B562-0886-4274-876D-59EFAAAE2F3B}"/>
               </a:ext>
             </a:extLst>
           </p:cNvPr>
@@ -3179,7 +3180,7 @@
           <p:cNvPr id="3" name="텍스트 개체 틀 2">
             <a:extLst>
               <a:ext uri="{FF2B5EF4-FFF2-40B4-BE49-F238E27FC236}">
-                <a16:creationId xmlns:a16="http://schemas.microsoft.com/office/drawing/2014/main" xmlns="" id="{61799B9E-1CD2-4A09-9ACC-2FA1C62D7AF6}"/>
+                <a16:creationId xmlns:a16="http://schemas.microsoft.com/office/drawing/2014/main" id="{61799B9E-1CD2-4A09-9ACC-2FA1C62D7AF6}"/>
               </a:ext>
             </a:extLst>
           </p:cNvPr>
@@ -3246,7 +3247,7 @@
           <p:cNvPr id="4" name="날짜 개체 틀 3">
             <a:extLst>
               <a:ext uri="{FF2B5EF4-FFF2-40B4-BE49-F238E27FC236}">
-                <a16:creationId xmlns:a16="http://schemas.microsoft.com/office/drawing/2014/main" xmlns="" id="{42A0C5B4-9399-4A5E-8DEE-54436B1EC85C}"/>
+                <a16:creationId xmlns:a16="http://schemas.microsoft.com/office/drawing/2014/main" id="{42A0C5B4-9399-4A5E-8DEE-54436B1EC85C}"/>
               </a:ext>
             </a:extLst>
           </p:cNvPr>
@@ -3289,7 +3290,7 @@
                 </a:solidFill>
               </a:rPr>
               <a:pPr/>
-              <a:t>2021-05-13</a:t>
+              <a:t>2021-05-14</a:t>
             </a:fld>
             <a:endParaRPr lang="ko-KR" altLang="en-US">
               <a:solidFill>
@@ -3306,7 +3307,7 @@
           <p:cNvPr id="5" name="바닥글 개체 틀 4">
             <a:extLst>
               <a:ext uri="{FF2B5EF4-FFF2-40B4-BE49-F238E27FC236}">
-                <a16:creationId xmlns:a16="http://schemas.microsoft.com/office/drawing/2014/main" xmlns="" id="{F5B2B9FF-C0C5-4E9E-A76A-AF0745E2D88E}"/>
+                <a16:creationId xmlns:a16="http://schemas.microsoft.com/office/drawing/2014/main" id="{F5B2B9FF-C0C5-4E9E-A76A-AF0745E2D88E}"/>
               </a:ext>
             </a:extLst>
           </p:cNvPr>
@@ -3355,7 +3356,7 @@
           <p:cNvPr id="6" name="슬라이드 번호 개체 틀 5">
             <a:extLst>
               <a:ext uri="{FF2B5EF4-FFF2-40B4-BE49-F238E27FC236}">
-                <a16:creationId xmlns:a16="http://schemas.microsoft.com/office/drawing/2014/main" xmlns="" id="{E8992FE0-2D01-4365-9F95-1FF838BCEF3A}"/>
+                <a16:creationId xmlns:a16="http://schemas.microsoft.com/office/drawing/2014/main" id="{E8992FE0-2D01-4365-9F95-1FF838BCEF3A}"/>
               </a:ext>
             </a:extLst>
           </p:cNvPr>
@@ -4029,7 +4030,7 @@
           <p:cNvPr id="41" name="사각형: 둥근 모서리 31">
             <a:extLst>
               <a:ext uri="{FF2B5EF4-FFF2-40B4-BE49-F238E27FC236}">
-                <a16:creationId xmlns:a16="http://schemas.microsoft.com/office/drawing/2014/main" xmlns="" id="{87F96730-FCA5-44A8-810E-07DACBEC9D5E}"/>
+                <a16:creationId xmlns:a16="http://schemas.microsoft.com/office/drawing/2014/main" id="{87F96730-FCA5-44A8-810E-07DACBEC9D5E}"/>
               </a:ext>
             </a:extLst>
           </p:cNvPr>
@@ -4038,7 +4039,7 @@
         </p:nvSpPr>
         <p:spPr>
           <a:xfrm>
-            <a:off x="7835742" y="1747383"/>
+            <a:off x="7844055" y="2591849"/>
             <a:ext cx="3510120" cy="1358418"/>
           </a:xfrm>
           <a:prstGeom prst="roundRect">
@@ -4189,8 +4190,8 @@
         </p:nvSpPr>
         <p:spPr>
           <a:xfrm>
-            <a:off x="0" y="933979"/>
-            <a:ext cx="2519643" cy="507831"/>
+            <a:off x="1" y="933979"/>
+            <a:ext cx="1715678" cy="507831"/>
           </a:xfrm>
           <a:prstGeom prst="rect">
             <a:avLst/>
@@ -4208,7 +4209,7 @@
               </a:lnSpc>
             </a:pPr>
             <a:r>
-              <a:rPr lang="ko-KR" altLang="en-US" b="1" i="1" u="sng" dirty="0" smtClean="0">
+              <a:rPr lang="ko-KR" altLang="en-US" b="1" i="1" u="sng" smtClean="0">
                 <a:solidFill>
                   <a:prstClr val="black">
                     <a:lumMod val="75000"/>
@@ -4216,7 +4217,18 @@
                   </a:prstClr>
                 </a:solidFill>
               </a:rPr>
-              <a:t>프로그램 개선 및 고찰</a:t>
+              <a:t>프로그램 </a:t>
+            </a:r>
+            <a:r>
+              <a:rPr lang="ko-KR" altLang="en-US" b="1" i="1" u="sng" smtClean="0">
+                <a:solidFill>
+                  <a:prstClr val="black">
+                    <a:lumMod val="75000"/>
+                    <a:lumOff val="25000"/>
+                  </a:prstClr>
+                </a:solidFill>
+              </a:rPr>
+              <a:t>개선</a:t>
             </a:r>
             <a:endParaRPr lang="ko-KR" altLang="en-US" sz="1050" i="1" u="sng" dirty="0">
               <a:solidFill>
@@ -4229,99 +4241,6 @@
           </a:p>
         </p:txBody>
       </p:sp>
-      <p:sp>
-        <p:nvSpPr>
-          <p:cNvPr id="56" name="직사각형 55"/>
-          <p:cNvSpPr/>
-          <p:nvPr/>
-        </p:nvSpPr>
-        <p:spPr>
-          <a:xfrm>
-            <a:off x="1139315" y="4059678"/>
-            <a:ext cx="1173804" cy="738566"/>
-          </a:xfrm>
-          <a:prstGeom prst="rect">
-            <a:avLst/>
-          </a:prstGeom>
-          <a:noFill/>
-          <a:ln w="25400">
-            <a:solidFill>
-              <a:srgbClr val="82CCFD"/>
-            </a:solidFill>
-          </a:ln>
-        </p:spPr>
-        <p:style>
-          <a:lnRef idx="2">
-            <a:schemeClr val="accent1">
-              <a:shade val="50000"/>
-            </a:schemeClr>
-          </a:lnRef>
-          <a:fillRef idx="1">
-            <a:schemeClr val="accent1"/>
-          </a:fillRef>
-          <a:effectRef idx="0">
-            <a:schemeClr val="accent1"/>
-          </a:effectRef>
-          <a:fontRef idx="minor">
-            <a:schemeClr val="lt1"/>
-          </a:fontRef>
-        </p:style>
-        <p:txBody>
-          <a:bodyPr rtlCol="0" anchor="ctr"/>
-          <a:lstStyle/>
-          <a:p>
-            <a:pPr algn="ctr"/>
-            <a:endParaRPr lang="ko-KR" altLang="en-US"/>
-          </a:p>
-        </p:txBody>
-      </p:sp>
-      <p:cxnSp>
-        <p:nvCxnSpPr>
-          <p:cNvPr id="58" name="직선 연결선 57">
-            <a:extLst>
-              <a:ext uri="{FF2B5EF4-FFF2-40B4-BE49-F238E27FC236}">
-                <a16:creationId xmlns:a16="http://schemas.microsoft.com/office/drawing/2014/main" xmlns="" id="{D8171E6A-87D6-4359-92E8-4FEC9B54AF48}"/>
-              </a:ext>
-            </a:extLst>
-          </p:cNvPr>
-          <p:cNvCxnSpPr>
-            <a:cxnSpLocks/>
-            <a:stCxn id="61" idx="1"/>
-            <a:endCxn id="56" idx="3"/>
-          </p:cNvCxnSpPr>
-          <p:nvPr/>
-        </p:nvCxnSpPr>
-        <p:spPr>
-          <a:xfrm flipH="1" flipV="1">
-            <a:off x="2313119" y="4428961"/>
-            <a:ext cx="5522743" cy="584547"/>
-          </a:xfrm>
-          <a:prstGeom prst="line">
-            <a:avLst/>
-          </a:prstGeom>
-          <a:ln w="22225">
-            <a:solidFill>
-              <a:srgbClr val="59BBFD"/>
-            </a:solidFill>
-            <a:prstDash val="sysDash"/>
-            <a:tailEnd type="oval"/>
-          </a:ln>
-        </p:spPr>
-        <p:style>
-          <a:lnRef idx="1">
-            <a:schemeClr val="accent1"/>
-          </a:lnRef>
-          <a:fillRef idx="0">
-            <a:schemeClr val="accent1"/>
-          </a:fillRef>
-          <a:effectRef idx="0">
-            <a:schemeClr val="accent1"/>
-          </a:effectRef>
-          <a:fontRef idx="minor">
-            <a:schemeClr val="tx1"/>
-          </a:fontRef>
-        </p:style>
-      </p:cxnSp>
       <p:sp>
         <p:nvSpPr>
           <p:cNvPr id="59" name="직사각형 58"/>
@@ -4373,7 +4292,7 @@
           <p:cNvPr id="60" name="직선 연결선 59">
             <a:extLst>
               <a:ext uri="{FF2B5EF4-FFF2-40B4-BE49-F238E27FC236}">
-                <a16:creationId xmlns:a16="http://schemas.microsoft.com/office/drawing/2014/main" xmlns="" id="{D8171E6A-87D6-4359-92E8-4FEC9B54AF48}"/>
+                <a16:creationId xmlns:a16="http://schemas.microsoft.com/office/drawing/2014/main" id="{D8171E6A-87D6-4359-92E8-4FEC9B54AF48}"/>
               </a:ext>
             </a:extLst>
           </p:cNvPr>
@@ -4385,9 +4304,9 @@
           <p:nvPr/>
         </p:nvCxnSpPr>
         <p:spPr>
-          <a:xfrm flipH="1">
-            <a:off x="4224899" y="2426592"/>
-            <a:ext cx="3610843" cy="198999"/>
+          <a:xfrm flipH="1" flipV="1">
+            <a:off x="4224899" y="2625591"/>
+            <a:ext cx="3619156" cy="645467"/>
           </a:xfrm>
           <a:prstGeom prst="line">
             <a:avLst/>
@@ -4431,7 +4350,7 @@
         </p:blipFill>
         <p:spPr>
           <a:xfrm>
-            <a:off x="8100139" y="3205385"/>
+            <a:off x="8108452" y="4049851"/>
             <a:ext cx="2981325" cy="544976"/>
           </a:xfrm>
           <a:prstGeom prst="rect">
@@ -4439,189 +4358,6 @@
           </a:prstGeom>
         </p:spPr>
       </p:pic>
-      <p:sp>
-        <p:nvSpPr>
-          <p:cNvPr id="61" name="사각형: 둥근 모서리 31">
-            <a:extLst>
-              <a:ext uri="{FF2B5EF4-FFF2-40B4-BE49-F238E27FC236}">
-                <a16:creationId xmlns:a16="http://schemas.microsoft.com/office/drawing/2014/main" xmlns="" id="{87F96730-FCA5-44A8-810E-07DACBEC9D5E}"/>
-              </a:ext>
-            </a:extLst>
-          </p:cNvPr>
-          <p:cNvSpPr/>
-          <p:nvPr/>
-        </p:nvSpPr>
-        <p:spPr>
-          <a:xfrm>
-            <a:off x="7835862" y="4334908"/>
-            <a:ext cx="3510000" cy="1357200"/>
-          </a:xfrm>
-          <a:prstGeom prst="roundRect">
-            <a:avLst>
-              <a:gd name="adj" fmla="val 50000"/>
-            </a:avLst>
-          </a:prstGeom>
-          <a:solidFill>
-            <a:schemeClr val="bg1"/>
-          </a:solidFill>
-          <a:ln w="15875">
-            <a:solidFill>
-              <a:srgbClr val="4EB6FC"/>
-            </a:solidFill>
-            <a:prstDash val="sysDash"/>
-          </a:ln>
-        </p:spPr>
-        <p:style>
-          <a:lnRef idx="2">
-            <a:schemeClr val="accent1">
-              <a:shade val="50000"/>
-            </a:schemeClr>
-          </a:lnRef>
-          <a:fillRef idx="1">
-            <a:schemeClr val="accent1"/>
-          </a:fillRef>
-          <a:effectRef idx="0">
-            <a:schemeClr val="accent1"/>
-          </a:effectRef>
-          <a:fontRef idx="minor">
-            <a:schemeClr val="lt1"/>
-          </a:fontRef>
-        </p:style>
-        <p:txBody>
-          <a:bodyPr rtlCol="0" anchor="ctr"/>
-          <a:lstStyle/>
-          <a:p>
-            <a:pPr algn="ctr">
-              <a:defRPr/>
-            </a:pPr>
-            <a:r>
-              <a:rPr lang="ko-KR" altLang="en-US" b="1" i="1" u="sng" dirty="0" smtClean="0">
-                <a:solidFill>
-                  <a:prstClr val="black">
-                    <a:lumMod val="75000"/>
-                    <a:lumOff val="25000"/>
-                  </a:prstClr>
-                </a:solidFill>
-              </a:rPr>
-              <a:t>고찰</a:t>
-            </a:r>
-            <a:endParaRPr lang="en-US" altLang="ko-KR" b="1" i="1" u="sng" dirty="0" smtClean="0">
-              <a:solidFill>
-                <a:prstClr val="black">
-                  <a:lumMod val="75000"/>
-                  <a:lumOff val="25000"/>
-                </a:prstClr>
-              </a:solidFill>
-            </a:endParaRPr>
-          </a:p>
-          <a:p>
-            <a:pPr algn="ctr">
-              <a:defRPr/>
-            </a:pPr>
-            <a:endParaRPr lang="en-US" altLang="ko-KR" sz="500" b="1" dirty="0" smtClean="0">
-              <a:solidFill>
-                <a:srgbClr val="4E5D70"/>
-              </a:solidFill>
-            </a:endParaRPr>
-          </a:p>
-          <a:p>
-            <a:pPr algn="ctr">
-              <a:defRPr/>
-            </a:pPr>
-            <a:r>
-              <a:rPr lang="ko-KR" altLang="en-US" sz="1400" b="1" dirty="0" smtClean="0">
-                <a:solidFill>
-                  <a:srgbClr val="4E5D70"/>
-                </a:solidFill>
-              </a:rPr>
-              <a:t>가져온 </a:t>
-            </a:r>
-            <a:r>
-              <a:rPr lang="en-US" altLang="ko-KR" sz="1400" b="1" dirty="0" smtClean="0">
-                <a:solidFill>
-                  <a:srgbClr val="4E5D70"/>
-                </a:solidFill>
-              </a:rPr>
-              <a:t>API</a:t>
-            </a:r>
-            <a:r>
-              <a:rPr lang="ko-KR" altLang="en-US" sz="1400" b="1" dirty="0" smtClean="0">
-                <a:solidFill>
-                  <a:srgbClr val="4E5D70"/>
-                </a:solidFill>
-              </a:rPr>
-              <a:t>가 이틀 뒤부터</a:t>
-            </a:r>
-            <a:endParaRPr lang="en-US" altLang="ko-KR" sz="1400" b="1" dirty="0" smtClean="0">
-              <a:solidFill>
-                <a:srgbClr val="4E5D70"/>
-              </a:solidFill>
-            </a:endParaRPr>
-          </a:p>
-          <a:p>
-            <a:pPr algn="ctr">
-              <a:defRPr/>
-            </a:pPr>
-            <a:r>
-              <a:rPr lang="ko-KR" altLang="en-US" sz="1400" b="1" dirty="0" smtClean="0">
-                <a:solidFill>
-                  <a:srgbClr val="4E5D70"/>
-                </a:solidFill>
-              </a:rPr>
-              <a:t>데이터가 있어 오늘과 모레를</a:t>
-            </a:r>
-            <a:endParaRPr lang="en-US" altLang="ko-KR" sz="1400" b="1" dirty="0" smtClean="0">
-              <a:solidFill>
-                <a:srgbClr val="4E5D70"/>
-              </a:solidFill>
-            </a:endParaRPr>
-          </a:p>
-          <a:p>
-            <a:pPr algn="ctr">
-              <a:defRPr/>
-            </a:pPr>
-            <a:r>
-              <a:rPr lang="ko-KR" altLang="en-US" sz="1400" b="1" dirty="0" smtClean="0">
-                <a:solidFill>
-                  <a:srgbClr val="4E5D70"/>
-                </a:solidFill>
-              </a:rPr>
-              <a:t>알려주지 못해 이 부분에 대한</a:t>
-            </a:r>
-            <a:endParaRPr lang="en-US" altLang="ko-KR" sz="1400" b="1" dirty="0" smtClean="0">
-              <a:solidFill>
-                <a:srgbClr val="4E5D70"/>
-              </a:solidFill>
-            </a:endParaRPr>
-          </a:p>
-          <a:p>
-            <a:pPr algn="ctr">
-              <a:defRPr/>
-            </a:pPr>
-            <a:r>
-              <a:rPr lang="ko-KR" altLang="en-US" sz="1400" b="1" dirty="0" smtClean="0">
-                <a:solidFill>
-                  <a:srgbClr val="4E5D70"/>
-                </a:solidFill>
-              </a:rPr>
-              <a:t>보완이 필요합니다</a:t>
-            </a:r>
-            <a:r>
-              <a:rPr lang="en-US" altLang="ko-KR" sz="1400" b="1" dirty="0" smtClean="0">
-                <a:solidFill>
-                  <a:srgbClr val="4E5D70"/>
-                </a:solidFill>
-              </a:rPr>
-              <a:t>.</a:t>
-            </a:r>
-            <a:endParaRPr lang="en-US" altLang="ko-KR" sz="1400" b="1" dirty="0">
-              <a:solidFill>
-                <a:srgbClr val="4E5D70"/>
-              </a:solidFill>
-            </a:endParaRPr>
-          </a:p>
-        </p:txBody>
-      </p:sp>
       <p:cxnSp>
         <p:nvCxnSpPr>
           <p:cNvPr id="75" name="직선 연결선 74"/>
@@ -4863,12 +4599,826 @@
           <a:chExt cx="0" cy="0"/>
         </a:xfrm>
       </p:grpSpPr>
+      <p:pic>
+        <p:nvPicPr>
+          <p:cNvPr id="20" name="그림 19"/>
+          <p:cNvPicPr>
+            <a:picLocks noChangeAspect="1"/>
+          </p:cNvPicPr>
+          <p:nvPr/>
+        </p:nvPicPr>
+        <p:blipFill>
+          <a:blip r:embed="rId2"/>
+          <a:stretch>
+            <a:fillRect/>
+          </a:stretch>
+        </p:blipFill>
+        <p:spPr>
+          <a:xfrm>
+            <a:off x="928800" y="1821600"/>
+            <a:ext cx="6235200" cy="4009657"/>
+          </a:xfrm>
+          <a:prstGeom prst="rect">
+            <a:avLst/>
+          </a:prstGeom>
+        </p:spPr>
+      </p:pic>
+      <p:sp>
+        <p:nvSpPr>
+          <p:cNvPr id="53" name="직사각형 52"/>
+          <p:cNvSpPr/>
+          <p:nvPr/>
+        </p:nvSpPr>
+        <p:spPr>
+          <a:xfrm>
+            <a:off x="0" y="933979"/>
+            <a:ext cx="1696825" cy="507831"/>
+          </a:xfrm>
+          <a:prstGeom prst="rect">
+            <a:avLst/>
+          </a:prstGeom>
+        </p:spPr>
+        <p:txBody>
+          <a:bodyPr wrap="square">
+            <a:spAutoFit/>
+          </a:bodyPr>
+          <a:lstStyle/>
+          <a:p>
+            <a:pPr algn="ctr">
+              <a:lnSpc>
+                <a:spcPct val="150000"/>
+              </a:lnSpc>
+            </a:pPr>
+            <a:r>
+              <a:rPr lang="ko-KR" altLang="en-US" b="1" i="1" u="sng" dirty="0" smtClean="0">
+                <a:solidFill>
+                  <a:prstClr val="black">
+                    <a:lumMod val="75000"/>
+                    <a:lumOff val="25000"/>
+                  </a:prstClr>
+                </a:solidFill>
+              </a:rPr>
+              <a:t>프로그램 </a:t>
+            </a:r>
+            <a:r>
+              <a:rPr lang="ko-KR" altLang="en-US" b="1" i="1" u="sng" dirty="0" smtClean="0">
+                <a:solidFill>
+                  <a:prstClr val="black">
+                    <a:lumMod val="75000"/>
+                    <a:lumOff val="25000"/>
+                  </a:prstClr>
+                </a:solidFill>
+              </a:rPr>
+              <a:t>고찰</a:t>
+            </a:r>
+            <a:endParaRPr lang="ko-KR" altLang="en-US" sz="1050" i="1" u="sng" dirty="0">
+              <a:solidFill>
+                <a:prstClr val="black">
+                  <a:lumMod val="75000"/>
+                  <a:lumOff val="25000"/>
+                </a:prstClr>
+              </a:solidFill>
+            </a:endParaRPr>
+          </a:p>
+        </p:txBody>
+      </p:sp>
+      <p:sp>
+        <p:nvSpPr>
+          <p:cNvPr id="59" name="직사각형 58"/>
+          <p:cNvSpPr/>
+          <p:nvPr/>
+        </p:nvSpPr>
+        <p:spPr>
+          <a:xfrm>
+            <a:off x="4757094" y="1981134"/>
+            <a:ext cx="2407853" cy="3710974"/>
+          </a:xfrm>
+          <a:prstGeom prst="rect">
+            <a:avLst/>
+          </a:prstGeom>
+          <a:noFill/>
+          <a:ln w="25400">
+            <a:solidFill>
+              <a:srgbClr val="82CCFD"/>
+            </a:solidFill>
+          </a:ln>
+        </p:spPr>
+        <p:style>
+          <a:lnRef idx="2">
+            <a:schemeClr val="accent1">
+              <a:shade val="50000"/>
+            </a:schemeClr>
+          </a:lnRef>
+          <a:fillRef idx="1">
+            <a:schemeClr val="accent1"/>
+          </a:fillRef>
+          <a:effectRef idx="0">
+            <a:schemeClr val="accent1"/>
+          </a:effectRef>
+          <a:fontRef idx="minor">
+            <a:schemeClr val="lt1"/>
+          </a:fontRef>
+        </p:style>
+        <p:txBody>
+          <a:bodyPr rtlCol="0" anchor="ctr"/>
+          <a:lstStyle/>
+          <a:p>
+            <a:pPr algn="ctr"/>
+            <a:endParaRPr lang="ko-KR" altLang="en-US"/>
+          </a:p>
+        </p:txBody>
+      </p:sp>
+      <p:cxnSp>
+        <p:nvCxnSpPr>
+          <p:cNvPr id="60" name="직선 연결선 59">
+            <a:extLst>
+              <a:ext uri="{FF2B5EF4-FFF2-40B4-BE49-F238E27FC236}">
+                <a16:creationId xmlns:a16="http://schemas.microsoft.com/office/drawing/2014/main" id="{D8171E6A-87D6-4359-92E8-4FEC9B54AF48}"/>
+              </a:ext>
+            </a:extLst>
+          </p:cNvPr>
+          <p:cNvCxnSpPr>
+            <a:cxnSpLocks/>
+            <a:stCxn id="18" idx="1"/>
+            <a:endCxn id="59" idx="3"/>
+          </p:cNvCxnSpPr>
+          <p:nvPr/>
+        </p:nvCxnSpPr>
+        <p:spPr>
+          <a:xfrm flipH="1">
+            <a:off x="7164947" y="2500200"/>
+            <a:ext cx="596085" cy="1336421"/>
+          </a:xfrm>
+          <a:prstGeom prst="line">
+            <a:avLst/>
+          </a:prstGeom>
+          <a:ln w="22225">
+            <a:solidFill>
+              <a:srgbClr val="59BBFD"/>
+            </a:solidFill>
+            <a:prstDash val="sysDash"/>
+            <a:tailEnd type="oval"/>
+          </a:ln>
+        </p:spPr>
+        <p:style>
+          <a:lnRef idx="1">
+            <a:schemeClr val="accent1"/>
+          </a:lnRef>
+          <a:fillRef idx="0">
+            <a:schemeClr val="accent1"/>
+          </a:fillRef>
+          <a:effectRef idx="0">
+            <a:schemeClr val="accent1"/>
+          </a:effectRef>
+          <a:fontRef idx="minor">
+            <a:schemeClr val="tx1"/>
+          </a:fontRef>
+        </p:style>
+      </p:cxnSp>
+      <p:cxnSp>
+        <p:nvCxnSpPr>
+          <p:cNvPr id="75" name="직선 연결선 74"/>
+          <p:cNvCxnSpPr/>
+          <p:nvPr/>
+        </p:nvCxnSpPr>
+        <p:spPr>
+          <a:xfrm>
+            <a:off x="4431032" y="596403"/>
+            <a:ext cx="6840000" cy="0"/>
+          </a:xfrm>
+          <a:prstGeom prst="line">
+            <a:avLst/>
+          </a:prstGeom>
+          <a:ln>
+            <a:solidFill>
+              <a:srgbClr val="82CCFD"/>
+            </a:solidFill>
+          </a:ln>
+        </p:spPr>
+        <p:style>
+          <a:lnRef idx="1">
+            <a:schemeClr val="accent1"/>
+          </a:lnRef>
+          <a:fillRef idx="0">
+            <a:schemeClr val="accent1"/>
+          </a:fillRef>
+          <a:effectRef idx="0">
+            <a:schemeClr val="accent1"/>
+          </a:effectRef>
+          <a:fontRef idx="minor">
+            <a:schemeClr val="tx1"/>
+          </a:fontRef>
+        </p:style>
+      </p:cxnSp>
+      <p:sp>
+        <p:nvSpPr>
+          <p:cNvPr id="76" name="모서리가 둥근 직사각형 75"/>
+          <p:cNvSpPr/>
+          <p:nvPr/>
+        </p:nvSpPr>
+        <p:spPr>
+          <a:xfrm>
+            <a:off x="434564" y="262550"/>
+            <a:ext cx="5127249" cy="669230"/>
+          </a:xfrm>
+          <a:prstGeom prst="roundRect">
+            <a:avLst>
+              <a:gd name="adj" fmla="val 50000"/>
+            </a:avLst>
+          </a:prstGeom>
+          <a:solidFill>
+            <a:srgbClr val="82CCFD"/>
+          </a:solidFill>
+          <a:ln>
+            <a:noFill/>
+          </a:ln>
+        </p:spPr>
+        <p:style>
+          <a:lnRef idx="2">
+            <a:schemeClr val="accent1">
+              <a:shade val="50000"/>
+            </a:schemeClr>
+          </a:lnRef>
+          <a:fillRef idx="1">
+            <a:schemeClr val="accent1"/>
+          </a:fillRef>
+          <a:effectRef idx="0">
+            <a:schemeClr val="accent1"/>
+          </a:effectRef>
+          <a:fontRef idx="minor">
+            <a:schemeClr val="lt1"/>
+          </a:fontRef>
+        </p:style>
+        <p:txBody>
+          <a:bodyPr rtlCol="0" anchor="ctr"/>
+          <a:lstStyle/>
+          <a:p>
+            <a:pPr lvl="1" latinLnBrk="0">
+              <a:defRPr/>
+            </a:pPr>
+            <a:r>
+              <a:rPr lang="ko-KR" altLang="en-US" sz="2400" b="1" i="1" kern="0" dirty="0" smtClean="0">
+                <a:solidFill>
+                  <a:prstClr val="white"/>
+                </a:solidFill>
+              </a:rPr>
+              <a:t> </a:t>
+            </a:r>
+            <a:r>
+              <a:rPr lang="ko-KR" altLang="en-US" sz="2400" b="1" i="1" kern="0" dirty="0" err="1" smtClean="0">
+                <a:solidFill>
+                  <a:prstClr val="white"/>
+                </a:solidFill>
+              </a:rPr>
+              <a:t>기온별</a:t>
+            </a:r>
+            <a:r>
+              <a:rPr lang="ko-KR" altLang="en-US" sz="2400" b="1" i="1" kern="0" dirty="0" smtClean="0">
+                <a:solidFill>
+                  <a:prstClr val="white"/>
+                </a:solidFill>
+              </a:rPr>
+              <a:t> 옷차림 추천 프로그램</a:t>
+            </a:r>
+            <a:endParaRPr lang="en-US" altLang="ko-KR" sz="1000" b="1" i="1" kern="0" dirty="0">
+              <a:solidFill>
+                <a:prstClr val="white"/>
+              </a:solidFill>
+            </a:endParaRPr>
+          </a:p>
+        </p:txBody>
+      </p:sp>
+      <p:sp>
+        <p:nvSpPr>
+          <p:cNvPr id="77" name="타원 76"/>
+          <p:cNvSpPr/>
+          <p:nvPr/>
+        </p:nvSpPr>
+        <p:spPr>
+          <a:xfrm>
+            <a:off x="554271" y="304568"/>
+            <a:ext cx="583200" cy="583671"/>
+          </a:xfrm>
+          <a:prstGeom prst="ellipse">
+            <a:avLst/>
+          </a:prstGeom>
+          <a:solidFill>
+            <a:schemeClr val="bg1"/>
+          </a:solidFill>
+          <a:ln>
+            <a:noFill/>
+          </a:ln>
+        </p:spPr>
+        <p:style>
+          <a:lnRef idx="2">
+            <a:schemeClr val="accent1">
+              <a:shade val="50000"/>
+            </a:schemeClr>
+          </a:lnRef>
+          <a:fillRef idx="1">
+            <a:schemeClr val="accent1"/>
+          </a:fillRef>
+          <a:effectRef idx="0">
+            <a:schemeClr val="accent1"/>
+          </a:effectRef>
+          <a:fontRef idx="minor">
+            <a:schemeClr val="lt1"/>
+          </a:fontRef>
+        </p:style>
+        <p:txBody>
+          <a:bodyPr rtlCol="0" anchor="ctr"/>
+          <a:lstStyle/>
+          <a:p>
+            <a:pPr algn="ctr"/>
+            <a:endParaRPr lang="ko-KR" altLang="en-US" dirty="0">
+              <a:solidFill>
+                <a:prstClr val="black">
+                  <a:lumMod val="75000"/>
+                  <a:lumOff val="25000"/>
+                </a:prstClr>
+              </a:solidFill>
+            </a:endParaRPr>
+          </a:p>
+        </p:txBody>
+      </p:sp>
+      <p:pic>
+        <p:nvPicPr>
+          <p:cNvPr id="78" name="그림 77"/>
+          <p:cNvPicPr>
+            <a:picLocks noChangeAspect="1"/>
+          </p:cNvPicPr>
+          <p:nvPr/>
+        </p:nvPicPr>
+        <p:blipFill>
+          <a:blip r:embed="rId3" cstate="print">
+            <a:extLst>
+              <a:ext uri="{28A0092B-C50C-407E-A947-70E740481C1C}">
+                <a14:useLocalDpi xmlns:a14="http://schemas.microsoft.com/office/drawing/2010/main" val="0"/>
+              </a:ext>
+            </a:extLst>
+          </a:blip>
+          <a:stretch>
+            <a:fillRect/>
+          </a:stretch>
+        </p:blipFill>
+        <p:spPr>
+          <a:xfrm>
+            <a:off x="631569" y="382101"/>
+            <a:ext cx="428604" cy="428604"/>
+          </a:xfrm>
+          <a:prstGeom prst="rect">
+            <a:avLst/>
+          </a:prstGeom>
+        </p:spPr>
+      </p:pic>
+      <p:sp>
+        <p:nvSpPr>
+          <p:cNvPr id="18" name="사각형: 둥근 모서리 31">
+            <a:extLst>
+              <a:ext uri="{FF2B5EF4-FFF2-40B4-BE49-F238E27FC236}">
+                <a16:creationId xmlns:a16="http://schemas.microsoft.com/office/drawing/2014/main" id="{87F96730-FCA5-44A8-810E-07DACBEC9D5E}"/>
+              </a:ext>
+            </a:extLst>
+          </p:cNvPr>
+          <p:cNvSpPr/>
+          <p:nvPr/>
+        </p:nvSpPr>
+        <p:spPr>
+          <a:xfrm>
+            <a:off x="7761032" y="1821600"/>
+            <a:ext cx="3510000" cy="1357200"/>
+          </a:xfrm>
+          <a:prstGeom prst="roundRect">
+            <a:avLst>
+              <a:gd name="adj" fmla="val 50000"/>
+            </a:avLst>
+          </a:prstGeom>
+          <a:solidFill>
+            <a:schemeClr val="bg1"/>
+          </a:solidFill>
+          <a:ln w="15875">
+            <a:solidFill>
+              <a:srgbClr val="4EB6FC"/>
+            </a:solidFill>
+            <a:prstDash val="sysDash"/>
+          </a:ln>
+        </p:spPr>
+        <p:style>
+          <a:lnRef idx="2">
+            <a:schemeClr val="accent1">
+              <a:shade val="50000"/>
+            </a:schemeClr>
+          </a:lnRef>
+          <a:fillRef idx="1">
+            <a:schemeClr val="accent1"/>
+          </a:fillRef>
+          <a:effectRef idx="0">
+            <a:schemeClr val="accent1"/>
+          </a:effectRef>
+          <a:fontRef idx="minor">
+            <a:schemeClr val="lt1"/>
+          </a:fontRef>
+        </p:style>
+        <p:txBody>
+          <a:bodyPr rtlCol="0" anchor="ctr"/>
+          <a:lstStyle/>
+          <a:p>
+            <a:pPr algn="ctr">
+              <a:defRPr/>
+            </a:pPr>
+            <a:r>
+              <a:rPr lang="en-US" altLang="ko-KR" b="1" i="1" u="sng" dirty="0" smtClean="0">
+                <a:solidFill>
+                  <a:prstClr val="black">
+                    <a:lumMod val="75000"/>
+                    <a:lumOff val="25000"/>
+                  </a:prstClr>
+                </a:solidFill>
+              </a:rPr>
+              <a:t>A.</a:t>
+            </a:r>
+            <a:endParaRPr lang="en-US" altLang="ko-KR" b="1" i="1" u="sng" dirty="0" smtClean="0">
+              <a:solidFill>
+                <a:prstClr val="black">
+                  <a:lumMod val="75000"/>
+                  <a:lumOff val="25000"/>
+                </a:prstClr>
+              </a:solidFill>
+            </a:endParaRPr>
+          </a:p>
+          <a:p>
+            <a:pPr algn="ctr">
+              <a:defRPr/>
+            </a:pPr>
+            <a:endParaRPr lang="en-US" altLang="ko-KR" sz="500" b="1" dirty="0" smtClean="0">
+              <a:solidFill>
+                <a:srgbClr val="4E5D70"/>
+              </a:solidFill>
+            </a:endParaRPr>
+          </a:p>
+          <a:p>
+            <a:pPr algn="ctr">
+              <a:defRPr/>
+            </a:pPr>
+            <a:r>
+              <a:rPr lang="ko-KR" altLang="en-US" sz="1400" b="1" dirty="0" smtClean="0">
+                <a:solidFill>
+                  <a:srgbClr val="4E5D70"/>
+                </a:solidFill>
+              </a:rPr>
+              <a:t>보이는 이미지가 하나밖에 없어서 </a:t>
+            </a:r>
+            <a:endParaRPr lang="en-US" altLang="ko-KR" sz="1400" b="1" dirty="0" smtClean="0">
+              <a:solidFill>
+                <a:srgbClr val="4E5D70"/>
+              </a:solidFill>
+            </a:endParaRPr>
+          </a:p>
+          <a:p>
+            <a:pPr algn="ctr">
+              <a:defRPr/>
+            </a:pPr>
+            <a:r>
+              <a:rPr lang="ko-KR" altLang="en-US" sz="1400" b="1" dirty="0" smtClean="0">
+                <a:solidFill>
+                  <a:srgbClr val="4E5D70"/>
+                </a:solidFill>
+              </a:rPr>
+              <a:t>이미지를 업데이트해 주거나 창을 늘려 더 많은 이미지를 보여주는 식의 보완이 필요입니다</a:t>
+            </a:r>
+            <a:r>
+              <a:rPr lang="en-US" altLang="ko-KR" sz="1400" b="1" dirty="0" smtClean="0">
+                <a:solidFill>
+                  <a:srgbClr val="4E5D70"/>
+                </a:solidFill>
+              </a:rPr>
+              <a:t>.</a:t>
+            </a:r>
+            <a:endParaRPr lang="en-US" altLang="ko-KR" sz="1400" b="1" dirty="0">
+              <a:solidFill>
+                <a:srgbClr val="4E5D70"/>
+              </a:solidFill>
+            </a:endParaRPr>
+          </a:p>
+        </p:txBody>
+      </p:sp>
+      <p:sp>
+        <p:nvSpPr>
+          <p:cNvPr id="23" name="직사각형 22"/>
+          <p:cNvSpPr/>
+          <p:nvPr/>
+        </p:nvSpPr>
+        <p:spPr>
+          <a:xfrm>
+            <a:off x="1216058" y="4062953"/>
+            <a:ext cx="3480942" cy="1508288"/>
+          </a:xfrm>
+          <a:prstGeom prst="rect">
+            <a:avLst/>
+          </a:prstGeom>
+          <a:noFill/>
+          <a:ln w="25400">
+            <a:solidFill>
+              <a:srgbClr val="82CCFD"/>
+            </a:solidFill>
+          </a:ln>
+        </p:spPr>
+        <p:style>
+          <a:lnRef idx="2">
+            <a:schemeClr val="accent1">
+              <a:shade val="50000"/>
+            </a:schemeClr>
+          </a:lnRef>
+          <a:fillRef idx="1">
+            <a:schemeClr val="accent1"/>
+          </a:fillRef>
+          <a:effectRef idx="0">
+            <a:schemeClr val="accent1"/>
+          </a:effectRef>
+          <a:fontRef idx="minor">
+            <a:schemeClr val="lt1"/>
+          </a:fontRef>
+        </p:style>
+        <p:txBody>
+          <a:bodyPr rtlCol="0" anchor="ctr"/>
+          <a:lstStyle/>
+          <a:p>
+            <a:pPr algn="ctr"/>
+            <a:endParaRPr lang="ko-KR" altLang="en-US"/>
+          </a:p>
+        </p:txBody>
+      </p:sp>
+      <p:cxnSp>
+        <p:nvCxnSpPr>
+          <p:cNvPr id="24" name="직선 연결선 23">
+            <a:extLst>
+              <a:ext uri="{FF2B5EF4-FFF2-40B4-BE49-F238E27FC236}">
+                <a16:creationId xmlns:a16="http://schemas.microsoft.com/office/drawing/2014/main" id="{D8171E6A-87D6-4359-92E8-4FEC9B54AF48}"/>
+              </a:ext>
+            </a:extLst>
+          </p:cNvPr>
+          <p:cNvCxnSpPr>
+            <a:cxnSpLocks/>
+            <a:stCxn id="27" idx="1"/>
+            <a:endCxn id="23" idx="3"/>
+          </p:cNvCxnSpPr>
+          <p:nvPr/>
+        </p:nvCxnSpPr>
+        <p:spPr>
+          <a:xfrm flipH="1">
+            <a:off x="4697000" y="4637988"/>
+            <a:ext cx="3064032" cy="179109"/>
+          </a:xfrm>
+          <a:prstGeom prst="line">
+            <a:avLst/>
+          </a:prstGeom>
+          <a:ln w="22225">
+            <a:solidFill>
+              <a:srgbClr val="59BBFD"/>
+            </a:solidFill>
+            <a:prstDash val="sysDash"/>
+            <a:tailEnd type="oval"/>
+          </a:ln>
+        </p:spPr>
+        <p:style>
+          <a:lnRef idx="1">
+            <a:schemeClr val="accent1"/>
+          </a:lnRef>
+          <a:fillRef idx="0">
+            <a:schemeClr val="accent1"/>
+          </a:fillRef>
+          <a:effectRef idx="0">
+            <a:schemeClr val="accent1"/>
+          </a:effectRef>
+          <a:fontRef idx="minor">
+            <a:schemeClr val="tx1"/>
+          </a:fontRef>
+        </p:style>
+      </p:cxnSp>
+      <p:sp>
+        <p:nvSpPr>
+          <p:cNvPr id="27" name="사각형: 둥근 모서리 31">
+            <a:extLst>
+              <a:ext uri="{FF2B5EF4-FFF2-40B4-BE49-F238E27FC236}">
+                <a16:creationId xmlns:a16="http://schemas.microsoft.com/office/drawing/2014/main" id="{87F96730-FCA5-44A8-810E-07DACBEC9D5E}"/>
+              </a:ext>
+            </a:extLst>
+          </p:cNvPr>
+          <p:cNvSpPr/>
+          <p:nvPr/>
+        </p:nvSpPr>
+        <p:spPr>
+          <a:xfrm>
+            <a:off x="7761032" y="3959388"/>
+            <a:ext cx="3510000" cy="1357200"/>
+          </a:xfrm>
+          <a:prstGeom prst="roundRect">
+            <a:avLst>
+              <a:gd name="adj" fmla="val 50000"/>
+            </a:avLst>
+          </a:prstGeom>
+          <a:solidFill>
+            <a:schemeClr val="bg1"/>
+          </a:solidFill>
+          <a:ln w="15875">
+            <a:solidFill>
+              <a:srgbClr val="4EB6FC"/>
+            </a:solidFill>
+            <a:prstDash val="sysDash"/>
+          </a:ln>
+        </p:spPr>
+        <p:style>
+          <a:lnRef idx="2">
+            <a:schemeClr val="accent1">
+              <a:shade val="50000"/>
+            </a:schemeClr>
+          </a:lnRef>
+          <a:fillRef idx="1">
+            <a:schemeClr val="accent1"/>
+          </a:fillRef>
+          <a:effectRef idx="0">
+            <a:schemeClr val="accent1"/>
+          </a:effectRef>
+          <a:fontRef idx="minor">
+            <a:schemeClr val="lt1"/>
+          </a:fontRef>
+        </p:style>
+        <p:txBody>
+          <a:bodyPr rtlCol="0" anchor="ctr"/>
+          <a:lstStyle/>
+          <a:p>
+            <a:pPr algn="ctr">
+              <a:defRPr/>
+            </a:pPr>
+            <a:r>
+              <a:rPr lang="en-US" altLang="ko-KR" b="1" i="1" u="sng" dirty="0" smtClean="0">
+                <a:solidFill>
+                  <a:prstClr val="black">
+                    <a:lumMod val="75000"/>
+                    <a:lumOff val="25000"/>
+                  </a:prstClr>
+                </a:solidFill>
+              </a:rPr>
+              <a:t>B.</a:t>
+            </a:r>
+            <a:endParaRPr lang="en-US" altLang="ko-KR" b="1" i="1" u="sng" dirty="0" smtClean="0">
+              <a:solidFill>
+                <a:prstClr val="black">
+                  <a:lumMod val="75000"/>
+                  <a:lumOff val="25000"/>
+                </a:prstClr>
+              </a:solidFill>
+            </a:endParaRPr>
+          </a:p>
+          <a:p>
+            <a:pPr algn="ctr">
+              <a:defRPr/>
+            </a:pPr>
+            <a:endParaRPr lang="en-US" altLang="ko-KR" sz="500" b="1" dirty="0" smtClean="0">
+              <a:solidFill>
+                <a:srgbClr val="4E5D70"/>
+              </a:solidFill>
+            </a:endParaRPr>
+          </a:p>
+          <a:p>
+            <a:pPr algn="ctr">
+              <a:defRPr/>
+            </a:pPr>
+            <a:r>
+              <a:rPr lang="ko-KR" altLang="en-US" sz="1400" b="1" dirty="0" smtClean="0">
+                <a:solidFill>
+                  <a:srgbClr val="4E5D70"/>
+                </a:solidFill>
+              </a:rPr>
+              <a:t>가져온 </a:t>
+            </a:r>
+            <a:r>
+              <a:rPr lang="en-US" altLang="ko-KR" sz="1400" b="1" dirty="0" smtClean="0">
+                <a:solidFill>
+                  <a:srgbClr val="4E5D70"/>
+                </a:solidFill>
+              </a:rPr>
+              <a:t>API</a:t>
+            </a:r>
+            <a:r>
+              <a:rPr lang="ko-KR" altLang="en-US" sz="1400" b="1" dirty="0" smtClean="0">
+                <a:solidFill>
+                  <a:srgbClr val="4E5D70"/>
+                </a:solidFill>
+              </a:rPr>
+              <a:t>가 이틀 뒤부터</a:t>
+            </a:r>
+            <a:endParaRPr lang="en-US" altLang="ko-KR" sz="1400" b="1" dirty="0" smtClean="0">
+              <a:solidFill>
+                <a:srgbClr val="4E5D70"/>
+              </a:solidFill>
+            </a:endParaRPr>
+          </a:p>
+          <a:p>
+            <a:pPr algn="ctr">
+              <a:defRPr/>
+            </a:pPr>
+            <a:r>
+              <a:rPr lang="ko-KR" altLang="en-US" sz="1400" b="1" dirty="0" smtClean="0">
+                <a:solidFill>
+                  <a:srgbClr val="4E5D70"/>
+                </a:solidFill>
+              </a:rPr>
+              <a:t>데이터가 있어 오늘과 모레 부분이 없어 이 부분에 대한 보완이</a:t>
+            </a:r>
+            <a:endParaRPr lang="en-US" altLang="ko-KR" sz="1400" b="1" dirty="0" smtClean="0">
+              <a:solidFill>
+                <a:srgbClr val="4E5D70"/>
+              </a:solidFill>
+            </a:endParaRPr>
+          </a:p>
+          <a:p>
+            <a:pPr algn="ctr">
+              <a:defRPr/>
+            </a:pPr>
+            <a:r>
+              <a:rPr lang="en-US" altLang="ko-KR" sz="1400" b="1" dirty="0">
+                <a:solidFill>
+                  <a:srgbClr val="4E5D70"/>
+                </a:solidFill>
+              </a:rPr>
+              <a:t> </a:t>
+            </a:r>
+            <a:r>
+              <a:rPr lang="ko-KR" altLang="en-US" sz="1400" b="1" dirty="0" smtClean="0">
+                <a:solidFill>
+                  <a:srgbClr val="4E5D70"/>
+                </a:solidFill>
+              </a:rPr>
+              <a:t>필요합니다</a:t>
+            </a:r>
+            <a:r>
+              <a:rPr lang="en-US" altLang="ko-KR" sz="1400" b="1" dirty="0" smtClean="0">
+                <a:solidFill>
+                  <a:srgbClr val="4E5D70"/>
+                </a:solidFill>
+              </a:rPr>
+              <a:t>.</a:t>
+            </a:r>
+            <a:endParaRPr lang="en-US" altLang="ko-KR" sz="1400" b="1" dirty="0">
+              <a:solidFill>
+                <a:srgbClr val="4E5D70"/>
+              </a:solidFill>
+            </a:endParaRPr>
+          </a:p>
+        </p:txBody>
+      </p:sp>
+    </p:spTree>
+    <p:extLst>
+      <p:ext uri="{BB962C8B-B14F-4D97-AF65-F5344CB8AC3E}">
+        <p14:creationId xmlns:p14="http://schemas.microsoft.com/office/powerpoint/2010/main" val="3441741640"/>
+      </p:ext>
+    </p:extLst>
+  </p:cSld>
+  <p:clrMapOvr>
+    <a:masterClrMapping/>
+  </p:clrMapOvr>
+  <p:timing>
+    <p:tnLst>
+      <p:par>
+        <p:cTn id="1" dur="indefinite" restart="never" nodeType="tmRoot"/>
+      </p:par>
+    </p:tnLst>
+  </p:timing>
+</p:sld>
+</file>
+
+<file path=ppt/slides/slide12.xml><?xml version="1.0" encoding="utf-8"?>
+<p:sld xmlns:a="http://schemas.openxmlformats.org/drawingml/2006/main" xmlns:r="http://schemas.openxmlformats.org/officeDocument/2006/relationships" xmlns:p="http://schemas.openxmlformats.org/presentationml/2006/main">
+  <p:cSld>
+    <p:bg>
+      <p:bgPr>
+        <a:solidFill>
+          <a:srgbClr val="FFF6E5"/>
+        </a:solidFill>
+        <a:effectLst/>
+      </p:bgPr>
+    </p:bg>
+    <p:spTree>
+      <p:nvGrpSpPr>
+        <p:cNvPr id="1" name=""/>
+        <p:cNvGrpSpPr/>
+        <p:nvPr/>
+      </p:nvGrpSpPr>
+      <p:grpSpPr>
+        <a:xfrm>
+          <a:off x="0" y="0"/>
+          <a:ext cx="0" cy="0"/>
+          <a:chOff x="0" y="0"/>
+          <a:chExt cx="0" cy="0"/>
+        </a:xfrm>
+      </p:grpSpPr>
       <p:sp>
         <p:nvSpPr>
           <p:cNvPr id="19" name="직사각형 18">
             <a:extLst>
               <a:ext uri="{FF2B5EF4-FFF2-40B4-BE49-F238E27FC236}">
-                <a16:creationId xmlns:a16="http://schemas.microsoft.com/office/drawing/2014/main" xmlns="" id="{3FA00699-5178-465A-9F3F-130CF1431F70}"/>
+                <a16:creationId xmlns:a16="http://schemas.microsoft.com/office/drawing/2014/main" id="{3FA00699-5178-465A-9F3F-130CF1431F70}"/>
               </a:ext>
             </a:extLst>
           </p:cNvPr>
@@ -13693,7 +14243,7 @@
           <p:cNvPr id="57" name="타원 56">
             <a:extLst>
               <a:ext uri="{FF2B5EF4-FFF2-40B4-BE49-F238E27FC236}">
-                <a16:creationId xmlns:a16="http://schemas.microsoft.com/office/drawing/2014/main" xmlns="" id="{BE566710-BCCE-457B-91C3-2FE86DC76547}"/>
+                <a16:creationId xmlns:a16="http://schemas.microsoft.com/office/drawing/2014/main" id="{BE566710-BCCE-457B-91C3-2FE86DC76547}"/>
               </a:ext>
             </a:extLst>
           </p:cNvPr>
@@ -13756,7 +14306,7 @@
           <p:cNvPr id="58" name="타원 57">
             <a:extLst>
               <a:ext uri="{FF2B5EF4-FFF2-40B4-BE49-F238E27FC236}">
-                <a16:creationId xmlns:a16="http://schemas.microsoft.com/office/drawing/2014/main" xmlns="" id="{F488E0CB-A681-40C9-8A97-A8EFFA5660EB}"/>
+                <a16:creationId xmlns:a16="http://schemas.microsoft.com/office/drawing/2014/main" id="{F488E0CB-A681-40C9-8A97-A8EFFA5660EB}"/>
               </a:ext>
             </a:extLst>
           </p:cNvPr>
@@ -13819,7 +14369,7 @@
           <p:cNvPr id="59" name="타원 58">
             <a:extLst>
               <a:ext uri="{FF2B5EF4-FFF2-40B4-BE49-F238E27FC236}">
-                <a16:creationId xmlns:a16="http://schemas.microsoft.com/office/drawing/2014/main" xmlns="" id="{F77828A3-274D-4CF1-82CA-3ACB9C5AC754}"/>
+                <a16:creationId xmlns:a16="http://schemas.microsoft.com/office/drawing/2014/main" id="{F77828A3-274D-4CF1-82CA-3ACB9C5AC754}"/>
               </a:ext>
             </a:extLst>
           </p:cNvPr>
@@ -13882,7 +14432,7 @@
           <p:cNvPr id="60" name="타원 59">
             <a:extLst>
               <a:ext uri="{FF2B5EF4-FFF2-40B4-BE49-F238E27FC236}">
-                <a16:creationId xmlns:a16="http://schemas.microsoft.com/office/drawing/2014/main" xmlns="" id="{5D6CDD27-E213-4D3C-ACF1-F3B6923292BC}"/>
+                <a16:creationId xmlns:a16="http://schemas.microsoft.com/office/drawing/2014/main" id="{5D6CDD27-E213-4D3C-ACF1-F3B6923292BC}"/>
               </a:ext>
             </a:extLst>
           </p:cNvPr>
@@ -13945,7 +14495,7 @@
           <p:cNvPr id="66" name="직선 연결선 65">
             <a:extLst>
               <a:ext uri="{FF2B5EF4-FFF2-40B4-BE49-F238E27FC236}">
-                <a16:creationId xmlns:a16="http://schemas.microsoft.com/office/drawing/2014/main" xmlns="" id="{D8171E6A-87D6-4359-92E8-4FEC9B54AF48}"/>
+                <a16:creationId xmlns:a16="http://schemas.microsoft.com/office/drawing/2014/main" id="{D8171E6A-87D6-4359-92E8-4FEC9B54AF48}"/>
               </a:ext>
             </a:extLst>
           </p:cNvPr>
@@ -13992,7 +14542,7 @@
           <p:cNvPr id="67" name="직선 연결선 66">
             <a:extLst>
               <a:ext uri="{FF2B5EF4-FFF2-40B4-BE49-F238E27FC236}">
-                <a16:creationId xmlns:a16="http://schemas.microsoft.com/office/drawing/2014/main" xmlns="" id="{D8171E6A-87D6-4359-92E8-4FEC9B54AF48}"/>
+                <a16:creationId xmlns:a16="http://schemas.microsoft.com/office/drawing/2014/main" id="{D8171E6A-87D6-4359-92E8-4FEC9B54AF48}"/>
               </a:ext>
             </a:extLst>
           </p:cNvPr>
@@ -14039,7 +14589,7 @@
           <p:cNvPr id="68" name="직선 연결선 67">
             <a:extLst>
               <a:ext uri="{FF2B5EF4-FFF2-40B4-BE49-F238E27FC236}">
-                <a16:creationId xmlns:a16="http://schemas.microsoft.com/office/drawing/2014/main" xmlns="" id="{D8171E6A-87D6-4359-92E8-4FEC9B54AF48}"/>
+                <a16:creationId xmlns:a16="http://schemas.microsoft.com/office/drawing/2014/main" id="{D8171E6A-87D6-4359-92E8-4FEC9B54AF48}"/>
               </a:ext>
             </a:extLst>
           </p:cNvPr>
@@ -14086,7 +14636,7 @@
           <p:cNvPr id="69" name="직선 연결선 68">
             <a:extLst>
               <a:ext uri="{FF2B5EF4-FFF2-40B4-BE49-F238E27FC236}">
-                <a16:creationId xmlns:a16="http://schemas.microsoft.com/office/drawing/2014/main" xmlns="" id="{D8171E6A-87D6-4359-92E8-4FEC9B54AF48}"/>
+                <a16:creationId xmlns:a16="http://schemas.microsoft.com/office/drawing/2014/main" id="{D8171E6A-87D6-4359-92E8-4FEC9B54AF48}"/>
               </a:ext>
             </a:extLst>
           </p:cNvPr>
@@ -15378,7 +15928,7 @@
           <p:cNvPr id="18" name="직선 연결선 17">
             <a:extLst>
               <a:ext uri="{FF2B5EF4-FFF2-40B4-BE49-F238E27FC236}">
-                <a16:creationId xmlns:a16="http://schemas.microsoft.com/office/drawing/2014/main" xmlns="" id="{D8171E6A-87D6-4359-92E8-4FEC9B54AF48}"/>
+                <a16:creationId xmlns:a16="http://schemas.microsoft.com/office/drawing/2014/main" id="{D8171E6A-87D6-4359-92E8-4FEC9B54AF48}"/>
               </a:ext>
             </a:extLst>
           </p:cNvPr>
@@ -15937,7 +16487,7 @@
           <p:cNvPr id="18" name="직선 연결선 17">
             <a:extLst>
               <a:ext uri="{FF2B5EF4-FFF2-40B4-BE49-F238E27FC236}">
-                <a16:creationId xmlns:a16="http://schemas.microsoft.com/office/drawing/2014/main" xmlns="" id="{D8171E6A-87D6-4359-92E8-4FEC9B54AF48}"/>
+                <a16:creationId xmlns:a16="http://schemas.microsoft.com/office/drawing/2014/main" id="{D8171E6A-87D6-4359-92E8-4FEC9B54AF48}"/>
               </a:ext>
             </a:extLst>
           </p:cNvPr>
@@ -16132,7 +16682,7 @@
           <p:cNvPr id="15" name="직선 연결선 14">
             <a:extLst>
               <a:ext uri="{FF2B5EF4-FFF2-40B4-BE49-F238E27FC236}">
-                <a16:creationId xmlns:a16="http://schemas.microsoft.com/office/drawing/2014/main" xmlns="" id="{D8171E6A-87D6-4359-92E8-4FEC9B54AF48}"/>
+                <a16:creationId xmlns:a16="http://schemas.microsoft.com/office/drawing/2014/main" id="{D8171E6A-87D6-4359-92E8-4FEC9B54AF48}"/>
               </a:ext>
             </a:extLst>
           </p:cNvPr>
@@ -16514,7 +17064,7 @@
           <p:cNvPr id="18" name="직선 연결선 17">
             <a:extLst>
               <a:ext uri="{FF2B5EF4-FFF2-40B4-BE49-F238E27FC236}">
-                <a16:creationId xmlns:a16="http://schemas.microsoft.com/office/drawing/2014/main" xmlns="" id="{D8171E6A-87D6-4359-92E8-4FEC9B54AF48}"/>
+                <a16:creationId xmlns:a16="http://schemas.microsoft.com/office/drawing/2014/main" id="{D8171E6A-87D6-4359-92E8-4FEC9B54AF48}"/>
               </a:ext>
             </a:extLst>
           </p:cNvPr>
@@ -17203,7 +17753,7 @@
           <p:cNvPr id="21" name="직선 연결선 20">
             <a:extLst>
               <a:ext uri="{FF2B5EF4-FFF2-40B4-BE49-F238E27FC236}">
-                <a16:creationId xmlns:a16="http://schemas.microsoft.com/office/drawing/2014/main" xmlns="" id="{D8171E6A-87D6-4359-92E8-4FEC9B54AF48}"/>
+                <a16:creationId xmlns:a16="http://schemas.microsoft.com/office/drawing/2014/main" id="{D8171E6A-87D6-4359-92E8-4FEC9B54AF48}"/>
               </a:ext>
             </a:extLst>
           </p:cNvPr>
@@ -17346,7 +17896,7 @@
           <p:cNvPr id="18" name="직선 연결선 17">
             <a:extLst>
               <a:ext uri="{FF2B5EF4-FFF2-40B4-BE49-F238E27FC236}">
-                <a16:creationId xmlns:a16="http://schemas.microsoft.com/office/drawing/2014/main" xmlns="" id="{D8171E6A-87D6-4359-92E8-4FEC9B54AF48}"/>
+                <a16:creationId xmlns:a16="http://schemas.microsoft.com/office/drawing/2014/main" id="{D8171E6A-87D6-4359-92E8-4FEC9B54AF48}"/>
               </a:ext>
             </a:extLst>
           </p:cNvPr>
@@ -17962,7 +18512,7 @@
   <a:extraClrSchemeLst/>
   <a:extLst>
     <a:ext uri="{05A4C25C-085E-4340-85A3-A5531E510DB2}">
-      <thm15:themeFamily xmlns:thm15="http://schemas.microsoft.com/office/thememl/2012/main" xmlns="" name="Office Theme" id="{62F939B6-93AF-4DB8-9C6B-D6C7DFDC589F}" vid="{4A3C46E8-61CC-4603-A589-7422A47A8E4A}"/>
+      <thm15:themeFamily xmlns:thm15="http://schemas.microsoft.com/office/thememl/2012/main" name="Office Theme" id="{62F939B6-93AF-4DB8-9C6B-D6C7DFDC589F}" vid="{4A3C46E8-61CC-4603-A589-7422A47A8E4A}"/>
     </a:ext>
   </a:extLst>
 </a:theme>
